--- a/Capstone1_SDGE_Data_EDA.pptx
+++ b/Capstone1_SDGE_Data_EDA.pptx
@@ -236,7 +236,7 @@
           <a:p>
             <a:fld id="{21E79F9E-26E4-4B6D-82DF-6D41BDC836CE}" type="datetimeFigureOut">
               <a:rPr lang="en-US" smtClean="0"/>
-              <a:t>9/9/2019</a:t>
+              <a:t>9/10/2019</a:t>
             </a:fld>
             <a:endParaRPr lang="en-US"/>
           </a:p>
@@ -1324,7 +1324,7 @@
           <a:p>
             <a:fld id="{8588A4BC-561D-4725-8C08-4C9721C138EF}" type="datetimeFigureOut">
               <a:rPr lang="en-US" smtClean="0"/>
-              <a:t>9/9/2019</a:t>
+              <a:t>9/10/2019</a:t>
             </a:fld>
             <a:endParaRPr lang="en-US"/>
           </a:p>
@@ -1522,7 +1522,7 @@
           <a:p>
             <a:fld id="{8588A4BC-561D-4725-8C08-4C9721C138EF}" type="datetimeFigureOut">
               <a:rPr lang="en-US" smtClean="0"/>
-              <a:t>9/9/2019</a:t>
+              <a:t>9/10/2019</a:t>
             </a:fld>
             <a:endParaRPr lang="en-US"/>
           </a:p>
@@ -1730,7 +1730,7 @@
           <a:p>
             <a:fld id="{8588A4BC-561D-4725-8C08-4C9721C138EF}" type="datetimeFigureOut">
               <a:rPr lang="en-US" smtClean="0"/>
-              <a:t>9/9/2019</a:t>
+              <a:t>9/10/2019</a:t>
             </a:fld>
             <a:endParaRPr lang="en-US"/>
           </a:p>
@@ -1928,7 +1928,7 @@
           <a:p>
             <a:fld id="{8588A4BC-561D-4725-8C08-4C9721C138EF}" type="datetimeFigureOut">
               <a:rPr lang="en-US" smtClean="0"/>
-              <a:t>9/9/2019</a:t>
+              <a:t>9/10/2019</a:t>
             </a:fld>
             <a:endParaRPr lang="en-US"/>
           </a:p>
@@ -2203,7 +2203,7 @@
           <a:p>
             <a:fld id="{8588A4BC-561D-4725-8C08-4C9721C138EF}" type="datetimeFigureOut">
               <a:rPr lang="en-US" smtClean="0"/>
-              <a:t>9/9/2019</a:t>
+              <a:t>9/10/2019</a:t>
             </a:fld>
             <a:endParaRPr lang="en-US"/>
           </a:p>
@@ -2468,7 +2468,7 @@
           <a:p>
             <a:fld id="{8588A4BC-561D-4725-8C08-4C9721C138EF}" type="datetimeFigureOut">
               <a:rPr lang="en-US" smtClean="0"/>
-              <a:t>9/9/2019</a:t>
+              <a:t>9/10/2019</a:t>
             </a:fld>
             <a:endParaRPr lang="en-US"/>
           </a:p>
@@ -2880,7 +2880,7 @@
           <a:p>
             <a:fld id="{8588A4BC-561D-4725-8C08-4C9721C138EF}" type="datetimeFigureOut">
               <a:rPr lang="en-US" smtClean="0"/>
-              <a:t>9/9/2019</a:t>
+              <a:t>9/10/2019</a:t>
             </a:fld>
             <a:endParaRPr lang="en-US"/>
           </a:p>
@@ -3021,7 +3021,7 @@
           <a:p>
             <a:fld id="{8588A4BC-561D-4725-8C08-4C9721C138EF}" type="datetimeFigureOut">
               <a:rPr lang="en-US" smtClean="0"/>
-              <a:t>9/9/2019</a:t>
+              <a:t>9/10/2019</a:t>
             </a:fld>
             <a:endParaRPr lang="en-US"/>
           </a:p>
@@ -3134,7 +3134,7 @@
           <a:p>
             <a:fld id="{8588A4BC-561D-4725-8C08-4C9721C138EF}" type="datetimeFigureOut">
               <a:rPr lang="en-US" smtClean="0"/>
-              <a:t>9/9/2019</a:t>
+              <a:t>9/10/2019</a:t>
             </a:fld>
             <a:endParaRPr lang="en-US"/>
           </a:p>
@@ -3445,7 +3445,7 @@
           <a:p>
             <a:fld id="{8588A4BC-561D-4725-8C08-4C9721C138EF}" type="datetimeFigureOut">
               <a:rPr lang="en-US" smtClean="0"/>
-              <a:t>9/9/2019</a:t>
+              <a:t>9/10/2019</a:t>
             </a:fld>
             <a:endParaRPr lang="en-US"/>
           </a:p>
@@ -3733,7 +3733,7 @@
           <a:p>
             <a:fld id="{8588A4BC-561D-4725-8C08-4C9721C138EF}" type="datetimeFigureOut">
               <a:rPr lang="en-US" smtClean="0"/>
-              <a:t>9/9/2019</a:t>
+              <a:t>9/10/2019</a:t>
             </a:fld>
             <a:endParaRPr lang="en-US"/>
           </a:p>
@@ -3974,7 +3974,7 @@
           <a:p>
             <a:fld id="{8588A4BC-561D-4725-8C08-4C9721C138EF}" type="datetimeFigureOut">
               <a:rPr lang="en-US" smtClean="0"/>
-              <a:t>9/9/2019</a:t>
+              <a:t>9/10/2019</a:t>
             </a:fld>
             <a:endParaRPr lang="en-US"/>
           </a:p>
@@ -4668,6 +4668,14 @@
 <file path=ppt/slides/slide11.xml><?xml version="1.0" encoding="utf-8"?>
 <p:sld xmlns:a="http://schemas.openxmlformats.org/drawingml/2006/main" xmlns:r="http://schemas.openxmlformats.org/officeDocument/2006/relationships" xmlns:p="http://schemas.openxmlformats.org/presentationml/2006/main">
   <p:cSld>
+    <p:bg>
+      <p:bgPr>
+        <a:solidFill>
+          <a:schemeClr val="bg1"/>
+        </a:solidFill>
+        <a:effectLst/>
+      </p:bgPr>
+    </p:bg>
     <p:spTree>
       <p:nvGrpSpPr>
         <p:cNvPr id="1" name=""/>
@@ -4684,6 +4692,101 @@
       </p:grpSpPr>
       <p:sp>
         <p:nvSpPr>
+          <p:cNvPr id="10" name="Down Arrow 7">
+            <a:extLst>
+              <a:ext uri="{FF2B5EF4-FFF2-40B4-BE49-F238E27FC236}">
+                <a16:creationId xmlns:a16="http://schemas.microsoft.com/office/drawing/2014/main" id="{73DE2CFE-42F2-48F0-8706-5264E012B10C}"/>
+              </a:ext>
+              <a:ext uri="{C183D7F6-B498-43B3-948B-1728B52AA6E4}">
+                <adec:decorative xmlns:adec="http://schemas.microsoft.com/office/drawing/2017/decorative" val="1"/>
+              </a:ext>
+            </a:extLst>
+          </p:cNvPr>
+          <p:cNvSpPr>
+            <a:spLocks noGrp="1" noRot="1" noChangeAspect="1" noMove="1" noResize="1" noEditPoints="1" noAdjustHandles="1" noChangeArrowheads="1" noChangeShapeType="1" noTextEdit="1"/>
+          </p:cNvSpPr>
+          <p:nvPr>
+            <p:extLst>
+              <p:ext uri="{386F3935-93C4-4BCD-93E2-E3B085C9AB24}">
+                <p16:designElem xmlns:p16="http://schemas.microsoft.com/office/powerpoint/2015/main" val="1"/>
+              </p:ext>
+            </p:extLst>
+          </p:nvPr>
+        </p:nvSpPr>
+        <p:spPr>
+          <a:xfrm rot="16200000">
+            <a:off x="1288521" y="381403"/>
+            <a:ext cx="2200313" cy="3342508"/>
+          </a:xfrm>
+          <a:prstGeom prst="downArrow">
+            <a:avLst>
+              <a:gd name="adj1" fmla="val 100000"/>
+              <a:gd name="adj2" fmla="val 15788"/>
+            </a:avLst>
+          </a:prstGeom>
+          <a:solidFill>
+            <a:srgbClr val="404040"/>
+          </a:solidFill>
+          <a:ln w="53975">
+            <a:noFill/>
+          </a:ln>
+        </p:spPr>
+        <p:style>
+          <a:lnRef idx="2">
+            <a:schemeClr val="accent1">
+              <a:shade val="50000"/>
+            </a:schemeClr>
+          </a:lnRef>
+          <a:fillRef idx="1">
+            <a:schemeClr val="accent1"/>
+          </a:fillRef>
+          <a:effectRef idx="0">
+            <a:schemeClr val="accent1"/>
+          </a:effectRef>
+          <a:fontRef idx="minor">
+            <a:schemeClr val="lt1"/>
+          </a:fontRef>
+        </p:style>
+        <p:txBody>
+          <a:bodyPr rtlCol="0" anchor="ctr"/>
+          <a:lstStyle/>
+          <a:p>
+            <a:pPr marL="0" marR="0" lvl="0" indent="0" algn="ctr" defTabSz="914400" rtl="0" eaLnBrk="1" fontAlgn="auto" latinLnBrk="0" hangingPunct="1">
+              <a:lnSpc>
+                <a:spcPct val="100000"/>
+              </a:lnSpc>
+              <a:spcBef>
+                <a:spcPts val="0"/>
+              </a:spcBef>
+              <a:spcAft>
+                <a:spcPts val="0"/>
+              </a:spcAft>
+              <a:buClrTx/>
+              <a:buSzTx/>
+              <a:buFontTx/>
+              <a:buNone/>
+              <a:tabLst/>
+              <a:defRPr/>
+            </a:pPr>
+            <a:endParaRPr kumimoji="0" lang="en-US" sz="1800" b="0" i="0" u="none" strike="noStrike" kern="1200" cap="none" spc="0" normalizeH="0" baseline="0" noProof="0">
+              <a:ln>
+                <a:noFill/>
+              </a:ln>
+              <a:solidFill>
+                <a:prstClr val="white"/>
+              </a:solidFill>
+              <a:effectLst/>
+              <a:uLnTx/>
+              <a:uFillTx/>
+              <a:latin typeface="Calibri" panose="020F0502020204030204"/>
+              <a:ea typeface="+mn-ea"/>
+              <a:cs typeface="+mn-cs"/>
+            </a:endParaRPr>
+          </a:p>
+        </p:txBody>
+      </p:sp>
+      <p:sp>
+        <p:nvSpPr>
           <p:cNvPr id="2" name="Title 1">
             <a:extLst>
               <a:ext uri="{FF2B5EF4-FFF2-40B4-BE49-F238E27FC236}">
@@ -4698,14 +4801,104 @@
             <p:ph type="title"/>
           </p:nvPr>
         </p:nvSpPr>
-        <p:spPr/>
+        <p:spPr>
+          <a:xfrm>
+            <a:off x="966952" y="1204108"/>
+            <a:ext cx="2562829" cy="1696407"/>
+          </a:xfrm>
+        </p:spPr>
         <p:txBody>
-          <a:bodyPr/>
+          <a:bodyPr vert="horz" lIns="91440" tIns="45720" rIns="91440" bIns="45720" rtlCol="0" anchor="ctr">
+            <a:normAutofit/>
+          </a:bodyPr>
           <a:lstStyle/>
           <a:p>
             <a:r>
-              <a:rPr lang="en-US" dirty="0"/>
-              <a:t>Energy data </a:t>
+              <a:rPr lang="en-US" sz="3200" kern="1200" dirty="0">
+                <a:solidFill>
+                  <a:srgbClr val="FFFFFF"/>
+                </a:solidFill>
+                <a:latin typeface="+mj-lt"/>
+                <a:ea typeface="+mj-ea"/>
+                <a:cs typeface="+mj-cs"/>
+              </a:rPr>
+              <a:t>Extracting time related features</a:t>
+            </a:r>
+          </a:p>
+        </p:txBody>
+      </p:sp>
+      <p:sp>
+        <p:nvSpPr>
+          <p:cNvPr id="5" name="TextBox 4">
+            <a:extLst>
+              <a:ext uri="{FF2B5EF4-FFF2-40B4-BE49-F238E27FC236}">
+                <a16:creationId xmlns:a16="http://schemas.microsoft.com/office/drawing/2014/main" id="{9393E306-608D-4558-93FE-9C0FB387D280}"/>
+              </a:ext>
+            </a:extLst>
+          </p:cNvPr>
+          <p:cNvSpPr txBox="1"/>
+          <p:nvPr/>
+        </p:nvSpPr>
+        <p:spPr>
+          <a:xfrm>
+            <a:off x="966951" y="3355130"/>
+            <a:ext cx="2669407" cy="2427333"/>
+          </a:xfrm>
+          <a:prstGeom prst="rect">
+            <a:avLst/>
+          </a:prstGeom>
+        </p:spPr>
+        <p:txBody>
+          <a:bodyPr vert="horz" lIns="91440" tIns="45720" rIns="91440" bIns="45720" rtlCol="0">
+            <a:normAutofit/>
+          </a:bodyPr>
+          <a:lstStyle/>
+          <a:p>
+            <a:pPr marL="285750" indent="-228600">
+              <a:lnSpc>
+                <a:spcPct val="90000"/>
+              </a:lnSpc>
+              <a:spcAft>
+                <a:spcPts val="600"/>
+              </a:spcAft>
+              <a:buFont typeface="Arial" panose="020B0604020202020204" pitchFamily="34" charset="0"/>
+              <a:buChar char="•"/>
+            </a:pPr>
+            <a:r>
+              <a:rPr lang="en-US" sz="1600" dirty="0"/>
+              <a:t>SDGE -&gt; Hourly energy consumption data in MWH</a:t>
+            </a:r>
+          </a:p>
+          <a:p>
+            <a:pPr marL="285750" indent="-228600">
+              <a:lnSpc>
+                <a:spcPct val="90000"/>
+              </a:lnSpc>
+              <a:spcAft>
+                <a:spcPts val="600"/>
+              </a:spcAft>
+              <a:buFont typeface="Arial" panose="020B0604020202020204" pitchFamily="34" charset="0"/>
+              <a:buChar char="•"/>
+            </a:pPr>
+            <a:r>
+              <a:rPr lang="en-US" sz="1600" dirty="0"/>
+              <a:t>Holiday -&gt; national holidays as per US calendar</a:t>
+            </a:r>
+          </a:p>
+          <a:p>
+            <a:pPr marL="285750" indent="-228600">
+              <a:lnSpc>
+                <a:spcPct val="90000"/>
+              </a:lnSpc>
+              <a:spcAft>
+                <a:spcPts val="600"/>
+              </a:spcAft>
+              <a:buFont typeface="Arial" panose="020B0604020202020204" pitchFamily="34" charset="0"/>
+              <a:buChar char="•"/>
+            </a:pPr>
+            <a:r>
+              <a:rPr lang="en-US" sz="1600" dirty="0"/>
+              <a:t>Non-working -&gt; Holiday + Weekend</a:t>
             </a:r>
           </a:p>
         </p:txBody>
@@ -4726,98 +4919,100 @@
             <p:ph idx="1"/>
             <p:extLst>
               <p:ext uri="{D42A27DB-BD31-4B8C-83A1-F6EECF244321}">
-                <p14:modId xmlns:p14="http://schemas.microsoft.com/office/powerpoint/2010/main" val="1676237514"/>
+                <p14:modId xmlns:p14="http://schemas.microsoft.com/office/powerpoint/2010/main" val="3684073829"/>
               </p:ext>
             </p:extLst>
           </p:nvPr>
         </p:nvGraphicFramePr>
         <p:xfrm>
-          <a:off x="0" y="1308687"/>
-          <a:ext cx="11626392" cy="3974936"/>
+          <a:off x="4059933" y="2230915"/>
+          <a:ext cx="8004248" cy="2970348"/>
         </p:xfrm>
         <a:graphic>
           <a:graphicData uri="http://schemas.openxmlformats.org/drawingml/2006/table">
             <a:tbl>
-              <a:tblPr/>
+              <a:tblPr firstRow="1" bandRow="1">
+                <a:tableStyleId>{8EC20E35-A176-4012-BC5E-935CFFF8708E}</a:tableStyleId>
+              </a:tblPr>
               <a:tblGrid>
-                <a:gridCol w="968866">
+                <a:gridCol w="300365">
                   <a:extLst>
                     <a:ext uri="{9D8B030D-6E8A-4147-A177-3AD203B41FA5}">
                       <a16:colId xmlns:a16="http://schemas.microsoft.com/office/drawing/2014/main" val="3463729244"/>
                     </a:ext>
                   </a:extLst>
                 </a:gridCol>
-                <a:gridCol w="968866">
+                <a:gridCol w="955825">
                   <a:extLst>
                     <a:ext uri="{9D8B030D-6E8A-4147-A177-3AD203B41FA5}">
                       <a16:colId xmlns:a16="http://schemas.microsoft.com/office/drawing/2014/main" val="4044329812"/>
                     </a:ext>
                   </a:extLst>
                 </a:gridCol>
-                <a:gridCol w="968866">
+                <a:gridCol w="660492">
                   <a:extLst>
                     <a:ext uri="{9D8B030D-6E8A-4147-A177-3AD203B41FA5}">
                       <a16:colId xmlns:a16="http://schemas.microsoft.com/office/drawing/2014/main" val="2856981606"/>
                     </a:ext>
                   </a:extLst>
                 </a:gridCol>
-                <a:gridCol w="968866">
+                <a:gridCol w="588166">
                   <a:extLst>
                     <a:ext uri="{9D8B030D-6E8A-4147-A177-3AD203B41FA5}">
                       <a16:colId xmlns:a16="http://schemas.microsoft.com/office/drawing/2014/main" val="579033804"/>
                     </a:ext>
                   </a:extLst>
                 </a:gridCol>
-                <a:gridCol w="968866">
+                <a:gridCol w="539947">
                   <a:extLst>
                     <a:ext uri="{9D8B030D-6E8A-4147-A177-3AD203B41FA5}">
                       <a16:colId xmlns:a16="http://schemas.microsoft.com/office/drawing/2014/main" val="979609634"/>
                     </a:ext>
                   </a:extLst>
                 </a:gridCol>
-                <a:gridCol w="968866">
+                <a:gridCol w="621314">
                   <a:extLst>
                     <a:ext uri="{9D8B030D-6E8A-4147-A177-3AD203B41FA5}">
                       <a16:colId xmlns:a16="http://schemas.microsoft.com/office/drawing/2014/main" val="2586144956"/>
                     </a:ext>
                   </a:extLst>
                 </a:gridCol>
-                <a:gridCol w="968866">
+                <a:gridCol w="452552">
                   <a:extLst>
                     <a:ext uri="{9D8B030D-6E8A-4147-A177-3AD203B41FA5}">
                       <a16:colId xmlns:a16="http://schemas.microsoft.com/office/drawing/2014/main" val="1906794200"/>
                     </a:ext>
                   </a:extLst>
                 </a:gridCol>
-                <a:gridCol w="968866">
+                <a:gridCol w="508303">
                   <a:extLst>
                     <a:ext uri="{9D8B030D-6E8A-4147-A177-3AD203B41FA5}">
                       <a16:colId xmlns:a16="http://schemas.microsoft.com/office/drawing/2014/main" val="3470716881"/>
                     </a:ext>
                   </a:extLst>
                 </a:gridCol>
-                <a:gridCol w="968866">
+                <a:gridCol w="981440">
                   <a:extLst>
                     <a:ext uri="{9D8B030D-6E8A-4147-A177-3AD203B41FA5}">
                       <a16:colId xmlns:a16="http://schemas.microsoft.com/office/drawing/2014/main" val="911307321"/>
                     </a:ext>
                   </a:extLst>
                 </a:gridCol>
-                <a:gridCol w="968866">
+                <a:gridCol w="684600">
                   <a:extLst>
                     <a:ext uri="{9D8B030D-6E8A-4147-A177-3AD203B41FA5}">
                       <a16:colId xmlns:a16="http://schemas.microsoft.com/office/drawing/2014/main" val="2168160723"/>
                     </a:ext>
                   </a:extLst>
                 </a:gridCol>
-                <a:gridCol w="968866">
+                <a:gridCol w="675559">
                   <a:extLst>
                     <a:ext uri="{9D8B030D-6E8A-4147-A177-3AD203B41FA5}">
                       <a16:colId xmlns:a16="http://schemas.microsoft.com/office/drawing/2014/main" val="456191726"/>
                     </a:ext>
                   </a:extLst>
                 </a:gridCol>
-                <a:gridCol w="968866">
+                <a:gridCol w="1035685">
                   <a:extLst>
                     <a:ext uri="{9D8B030D-6E8A-4147-A177-3AD203B41FA5}">
                       <a16:colId xmlns:a16="http://schemas.microsoft.com/office/drawing/2014/main" val="3221567551"/>
@@ -4825,32 +5020,16 @@
                   </a:extLst>
                 </a:gridCol>
               </a:tblGrid>
-              <a:tr h="412156">
-                <a:tc>
-                  <a:txBody>
-                    <a:bodyPr/>
-                    <a:lstStyle/>
-                    <a:p>
-                      <a:endParaRPr lang="en-US" dirty="0"/>
-                    </a:p>
-                  </a:txBody>
-                  <a:tcPr marL="60435" marR="60435" marT="30218" marB="30218" anchor="ctr">
-                    <a:lnL>
-                      <a:noFill/>
-                    </a:lnL>
-                    <a:lnR>
-                      <a:noFill/>
-                    </a:lnR>
-                    <a:lnT>
-                      <a:noFill/>
-                    </a:lnT>
-                    <a:lnB>
-                      <a:noFill/>
-                    </a:lnB>
-                    <a:solidFill>
-                      <a:srgbClr val="FFFFFF"/>
-                    </a:solidFill>
-                  </a:tcPr>
+              <a:tr h="495058">
+                <a:tc>
+                  <a:txBody>
+                    <a:bodyPr/>
+                    <a:lstStyle/>
+                    <a:p>
+                      <a:endParaRPr lang="en-US" sz="2000"/>
+                    </a:p>
+                  </a:txBody>
+                  <a:tcPr marL="49476" marR="49476" marT="24738" marB="24738" anchor="ctr"/>
                 </a:tc>
                 <a:tc>
                   <a:txBody>
@@ -4859,343 +5038,212 @@
                     <a:p>
                       <a:pPr algn="r" fontAlgn="ctr"/>
                       <a:br>
-                        <a:rPr lang="en-US" sz="1200" b="1" dirty="0">
+                        <a:rPr lang="en-US" sz="1200" dirty="0">
                           <a:effectLst/>
                         </a:rPr>
                       </a:br>
                       <a:r>
-                        <a:rPr lang="en-US" sz="1200" b="1" dirty="0">
+                        <a:rPr lang="en-US" sz="1200" dirty="0">
                           <a:effectLst/>
                         </a:rPr>
                         <a:t>Dates</a:t>
                       </a:r>
-                    </a:p>
-                  </a:txBody>
-                  <a:tcPr marL="60435" marR="60435" marT="30218" marB="30218" anchor="ctr">
-                    <a:lnL>
-                      <a:noFill/>
-                    </a:lnL>
-                    <a:lnR>
-                      <a:noFill/>
-                    </a:lnR>
-                    <a:lnT>
-                      <a:noFill/>
-                    </a:lnT>
-                    <a:lnB>
-                      <a:noFill/>
-                    </a:lnB>
-                    <a:solidFill>
-                      <a:srgbClr val="FFFFFF"/>
-                    </a:solidFill>
-                  </a:tcPr>
-                </a:tc>
-                <a:tc>
-                  <a:txBody>
-                    <a:bodyPr/>
-                    <a:lstStyle/>
-                    <a:p>
-                      <a:pPr algn="r" fontAlgn="ctr"/>
-                      <a:r>
-                        <a:rPr lang="en-US" sz="1200" b="1" dirty="0">
+                      <a:endParaRPr lang="en-US" sz="1200" b="1" dirty="0">
+                        <a:effectLst/>
+                      </a:endParaRPr>
+                    </a:p>
+                  </a:txBody>
+                  <a:tcPr marL="49476" marR="49476" marT="24738" marB="24738" anchor="ctr"/>
+                </a:tc>
+                <a:tc>
+                  <a:txBody>
+                    <a:bodyPr/>
+                    <a:lstStyle/>
+                    <a:p>
+                      <a:pPr algn="r" fontAlgn="ctr"/>
+                      <a:r>
+                        <a:rPr lang="en-US" sz="1200" dirty="0">
                           <a:effectLst/>
                         </a:rPr>
                         <a:t>SDGE</a:t>
                       </a:r>
-                    </a:p>
-                  </a:txBody>
-                  <a:tcPr marL="60435" marR="60435" marT="30218" marB="30218" anchor="ctr">
-                    <a:lnL>
-                      <a:noFill/>
-                    </a:lnL>
-                    <a:lnR>
-                      <a:noFill/>
-                    </a:lnR>
-                    <a:lnT>
-                      <a:noFill/>
-                    </a:lnT>
-                    <a:lnB>
-                      <a:noFill/>
-                    </a:lnB>
-                    <a:solidFill>
-                      <a:srgbClr val="FFFFFF"/>
-                    </a:solidFill>
-                  </a:tcPr>
-                </a:tc>
-                <a:tc>
-                  <a:txBody>
-                    <a:bodyPr/>
-                    <a:lstStyle/>
-                    <a:p>
-                      <a:pPr algn="r" fontAlgn="ctr"/>
-                      <a:r>
-                        <a:rPr lang="en-US" sz="1200" b="1" dirty="0">
+                      <a:endParaRPr lang="en-US" sz="1200" b="1" dirty="0">
+                        <a:effectLst/>
+                      </a:endParaRPr>
+                    </a:p>
+                  </a:txBody>
+                  <a:tcPr marL="49476" marR="49476" marT="24738" marB="24738" anchor="ctr"/>
+                </a:tc>
+                <a:tc>
+                  <a:txBody>
+                    <a:bodyPr/>
+                    <a:lstStyle/>
+                    <a:p>
+                      <a:pPr algn="r" fontAlgn="ctr"/>
+                      <a:r>
+                        <a:rPr lang="en-US" sz="1200">
                           <a:effectLst/>
                         </a:rPr>
                         <a:t>Date</a:t>
                       </a:r>
-                    </a:p>
-                  </a:txBody>
-                  <a:tcPr marL="60435" marR="60435" marT="30218" marB="30218" anchor="ctr">
-                    <a:lnL>
-                      <a:noFill/>
-                    </a:lnL>
-                    <a:lnR>
-                      <a:noFill/>
-                    </a:lnR>
-                    <a:lnT>
-                      <a:noFill/>
-                    </a:lnT>
-                    <a:lnB>
-                      <a:noFill/>
-                    </a:lnB>
-                    <a:solidFill>
-                      <a:srgbClr val="FFFFFF"/>
-                    </a:solidFill>
-                  </a:tcPr>
-                </a:tc>
-                <a:tc>
-                  <a:txBody>
-                    <a:bodyPr/>
-                    <a:lstStyle/>
-                    <a:p>
-                      <a:pPr algn="r" fontAlgn="ctr"/>
-                      <a:r>
-                        <a:rPr lang="en-US" sz="1200" b="1" dirty="0">
+                      <a:endParaRPr lang="en-US" sz="1200" b="1">
+                        <a:effectLst/>
+                      </a:endParaRPr>
+                    </a:p>
+                  </a:txBody>
+                  <a:tcPr marL="49476" marR="49476" marT="24738" marB="24738" anchor="ctr"/>
+                </a:tc>
+                <a:tc>
+                  <a:txBody>
+                    <a:bodyPr/>
+                    <a:lstStyle/>
+                    <a:p>
+                      <a:pPr algn="r" fontAlgn="ctr"/>
+                      <a:r>
+                        <a:rPr lang="en-US" sz="1200">
                           <a:effectLst/>
                         </a:rPr>
                         <a:t>year</a:t>
                       </a:r>
-                    </a:p>
-                  </a:txBody>
-                  <a:tcPr marL="60435" marR="60435" marT="30218" marB="30218" anchor="ctr">
-                    <a:lnL>
-                      <a:noFill/>
-                    </a:lnL>
-                    <a:lnR>
-                      <a:noFill/>
-                    </a:lnR>
-                    <a:lnT>
-                      <a:noFill/>
-                    </a:lnT>
-                    <a:lnB>
-                      <a:noFill/>
-                    </a:lnB>
-                    <a:solidFill>
-                      <a:srgbClr val="FFFFFF"/>
-                    </a:solidFill>
-                  </a:tcPr>
-                </a:tc>
-                <a:tc>
-                  <a:txBody>
-                    <a:bodyPr/>
-                    <a:lstStyle/>
-                    <a:p>
-                      <a:pPr algn="r" fontAlgn="ctr"/>
-                      <a:r>
-                        <a:rPr lang="en-US" sz="1200" b="1" dirty="0">
+                      <a:endParaRPr lang="en-US" sz="1200" b="1">
+                        <a:effectLst/>
+                      </a:endParaRPr>
+                    </a:p>
+                  </a:txBody>
+                  <a:tcPr marL="49476" marR="49476" marT="24738" marB="24738" anchor="ctr"/>
+                </a:tc>
+                <a:tc>
+                  <a:txBody>
+                    <a:bodyPr/>
+                    <a:lstStyle/>
+                    <a:p>
+                      <a:pPr algn="r" fontAlgn="ctr"/>
+                      <a:r>
+                        <a:rPr lang="en-US" sz="1200">
                           <a:effectLst/>
                         </a:rPr>
                         <a:t>month</a:t>
                       </a:r>
-                    </a:p>
-                  </a:txBody>
-                  <a:tcPr marL="60435" marR="60435" marT="30218" marB="30218" anchor="ctr">
-                    <a:lnL>
-                      <a:noFill/>
-                    </a:lnL>
-                    <a:lnR>
-                      <a:noFill/>
-                    </a:lnR>
-                    <a:lnT>
-                      <a:noFill/>
-                    </a:lnT>
-                    <a:lnB>
-                      <a:noFill/>
-                    </a:lnB>
-                    <a:solidFill>
-                      <a:srgbClr val="FFFFFF"/>
-                    </a:solidFill>
-                  </a:tcPr>
-                </a:tc>
-                <a:tc>
-                  <a:txBody>
-                    <a:bodyPr/>
-                    <a:lstStyle/>
-                    <a:p>
-                      <a:pPr algn="r" fontAlgn="ctr"/>
-                      <a:r>
-                        <a:rPr lang="en-US" sz="1200" b="1">
+                      <a:endParaRPr lang="en-US" sz="1200" b="1">
+                        <a:effectLst/>
+                      </a:endParaRPr>
+                    </a:p>
+                  </a:txBody>
+                  <a:tcPr marL="49476" marR="49476" marT="24738" marB="24738" anchor="ctr"/>
+                </a:tc>
+                <a:tc>
+                  <a:txBody>
+                    <a:bodyPr/>
+                    <a:lstStyle/>
+                    <a:p>
+                      <a:pPr algn="r" fontAlgn="ctr"/>
+                      <a:r>
+                        <a:rPr lang="en-US" sz="1200">
                           <a:effectLst/>
                         </a:rPr>
                         <a:t>day</a:t>
                       </a:r>
-                    </a:p>
-                  </a:txBody>
-                  <a:tcPr marL="60435" marR="60435" marT="30218" marB="30218" anchor="ctr">
-                    <a:lnL>
-                      <a:noFill/>
-                    </a:lnL>
-                    <a:lnR>
-                      <a:noFill/>
-                    </a:lnR>
-                    <a:lnT>
-                      <a:noFill/>
-                    </a:lnT>
-                    <a:lnB>
-                      <a:noFill/>
-                    </a:lnB>
-                    <a:solidFill>
-                      <a:srgbClr val="FFFFFF"/>
-                    </a:solidFill>
-                  </a:tcPr>
-                </a:tc>
-                <a:tc>
-                  <a:txBody>
-                    <a:bodyPr/>
-                    <a:lstStyle/>
-                    <a:p>
-                      <a:pPr algn="r" fontAlgn="ctr"/>
-                      <a:r>
-                        <a:rPr lang="en-US" sz="1200" b="1">
+                      <a:endParaRPr lang="en-US" sz="1200" b="1">
+                        <a:effectLst/>
+                      </a:endParaRPr>
+                    </a:p>
+                  </a:txBody>
+                  <a:tcPr marL="49476" marR="49476" marT="24738" marB="24738" anchor="ctr"/>
+                </a:tc>
+                <a:tc>
+                  <a:txBody>
+                    <a:bodyPr/>
+                    <a:lstStyle/>
+                    <a:p>
+                      <a:pPr algn="r" fontAlgn="ctr"/>
+                      <a:r>
+                        <a:rPr lang="en-US" sz="1200">
                           <a:effectLst/>
                         </a:rPr>
                         <a:t>hour</a:t>
                       </a:r>
-                    </a:p>
-                  </a:txBody>
-                  <a:tcPr marL="60435" marR="60435" marT="30218" marB="30218" anchor="ctr">
-                    <a:lnL>
-                      <a:noFill/>
-                    </a:lnL>
-                    <a:lnR>
-                      <a:noFill/>
-                    </a:lnR>
-                    <a:lnT>
-                      <a:noFill/>
-                    </a:lnT>
-                    <a:lnB>
-                      <a:noFill/>
-                    </a:lnB>
-                    <a:solidFill>
-                      <a:srgbClr val="FFFFFF"/>
-                    </a:solidFill>
-                  </a:tcPr>
-                </a:tc>
-                <a:tc>
-                  <a:txBody>
-                    <a:bodyPr/>
-                    <a:lstStyle/>
-                    <a:p>
-                      <a:pPr algn="r" fontAlgn="ctr"/>
-                      <a:r>
-                        <a:rPr lang="en-US" sz="1200" b="1">
+                      <a:endParaRPr lang="en-US" sz="1200" b="1">
+                        <a:effectLst/>
+                      </a:endParaRPr>
+                    </a:p>
+                  </a:txBody>
+                  <a:tcPr marL="49476" marR="49476" marT="24738" marB="24738" anchor="ctr"/>
+                </a:tc>
+                <a:tc>
+                  <a:txBody>
+                    <a:bodyPr/>
+                    <a:lstStyle/>
+                    <a:p>
+                      <a:pPr algn="r" fontAlgn="ctr"/>
+                      <a:r>
+                        <a:rPr lang="en-US" sz="1200">
                           <a:effectLst/>
                         </a:rPr>
                         <a:t>weekday</a:t>
                       </a:r>
-                    </a:p>
-                  </a:txBody>
-                  <a:tcPr marL="60435" marR="60435" marT="30218" marB="30218" anchor="ctr">
-                    <a:lnL>
-                      <a:noFill/>
-                    </a:lnL>
-                    <a:lnR>
-                      <a:noFill/>
-                    </a:lnR>
-                    <a:lnT>
-                      <a:noFill/>
-                    </a:lnT>
-                    <a:lnB>
-                      <a:noFill/>
-                    </a:lnB>
-                    <a:solidFill>
-                      <a:srgbClr val="FFFFFF"/>
-                    </a:solidFill>
-                  </a:tcPr>
-                </a:tc>
-                <a:tc>
-                  <a:txBody>
-                    <a:bodyPr/>
-                    <a:lstStyle/>
-                    <a:p>
-                      <a:pPr algn="r" fontAlgn="ctr"/>
-                      <a:r>
-                        <a:rPr lang="en-US" sz="1200" b="1" dirty="0">
+                      <a:endParaRPr lang="en-US" sz="1200" b="1">
+                        <a:effectLst/>
+                      </a:endParaRPr>
+                    </a:p>
+                  </a:txBody>
+                  <a:tcPr marL="49476" marR="49476" marT="24738" marB="24738" anchor="ctr"/>
+                </a:tc>
+                <a:tc>
+                  <a:txBody>
+                    <a:bodyPr/>
+                    <a:lstStyle/>
+                    <a:p>
+                      <a:pPr algn="r" fontAlgn="ctr"/>
+                      <a:r>
+                        <a:rPr lang="en-US" sz="1200">
                           <a:effectLst/>
                         </a:rPr>
                         <a:t>season</a:t>
                       </a:r>
-                    </a:p>
-                  </a:txBody>
-                  <a:tcPr marL="60435" marR="60435" marT="30218" marB="30218" anchor="ctr">
-                    <a:lnL>
-                      <a:noFill/>
-                    </a:lnL>
-                    <a:lnR>
-                      <a:noFill/>
-                    </a:lnR>
-                    <a:lnT>
-                      <a:noFill/>
-                    </a:lnT>
-                    <a:lnB>
-                      <a:noFill/>
-                    </a:lnB>
-                    <a:solidFill>
-                      <a:srgbClr val="FFFFFF"/>
-                    </a:solidFill>
-                  </a:tcPr>
-                </a:tc>
-                <a:tc>
-                  <a:txBody>
-                    <a:bodyPr/>
-                    <a:lstStyle/>
-                    <a:p>
-                      <a:pPr algn="r" fontAlgn="ctr"/>
-                      <a:r>
-                        <a:rPr lang="en-US" sz="1200" b="1" dirty="0">
+                      <a:endParaRPr lang="en-US" sz="1200" b="1">
+                        <a:effectLst/>
+                      </a:endParaRPr>
+                    </a:p>
+                  </a:txBody>
+                  <a:tcPr marL="49476" marR="49476" marT="24738" marB="24738" anchor="ctr"/>
+                </a:tc>
+                <a:tc>
+                  <a:txBody>
+                    <a:bodyPr/>
+                    <a:lstStyle/>
+                    <a:p>
+                      <a:pPr algn="r" fontAlgn="ctr"/>
+                      <a:r>
+                        <a:rPr lang="en-US" sz="1200">
                           <a:effectLst/>
                         </a:rPr>
                         <a:t>holiday</a:t>
                       </a:r>
-                    </a:p>
-                  </a:txBody>
-                  <a:tcPr marL="60435" marR="60435" marT="30218" marB="30218" anchor="ctr">
-                    <a:lnL>
-                      <a:noFill/>
-                    </a:lnL>
-                    <a:lnR>
-                      <a:noFill/>
-                    </a:lnR>
-                    <a:lnT>
-                      <a:noFill/>
-                    </a:lnT>
-                    <a:lnB>
-                      <a:noFill/>
-                    </a:lnB>
-                    <a:solidFill>
-                      <a:srgbClr val="FFFFFF"/>
-                    </a:solidFill>
-                  </a:tcPr>
-                </a:tc>
-                <a:tc>
-                  <a:txBody>
-                    <a:bodyPr/>
-                    <a:lstStyle/>
-                    <a:p>
-                      <a:pPr algn="r" fontAlgn="ctr"/>
-                      <a:r>
-                        <a:rPr lang="en-US" sz="1200" b="1" dirty="0">
+                      <a:endParaRPr lang="en-US" sz="1200" b="1">
+                        <a:effectLst/>
+                      </a:endParaRPr>
+                    </a:p>
+                  </a:txBody>
+                  <a:tcPr marL="49476" marR="49476" marT="24738" marB="24738" anchor="ctr"/>
+                </a:tc>
+                <a:tc>
+                  <a:txBody>
+                    <a:bodyPr/>
+                    <a:lstStyle/>
+                    <a:p>
+                      <a:pPr algn="r" fontAlgn="ctr"/>
+                      <a:r>
+                        <a:rPr lang="en-US" sz="1200">
                           <a:effectLst/>
                         </a:rPr>
                         <a:t>non_working</a:t>
                       </a:r>
-                    </a:p>
-                  </a:txBody>
-                  <a:tcPr marL="60435" marR="60435" marT="30218" marB="30218" anchor="ctr">
-                    <a:lnL>
-                      <a:noFill/>
-                    </a:lnL>
-                  </a:tcPr>
+                      <a:endParaRPr lang="en-US" sz="1200" b="1">
+                        <a:effectLst/>
+                      </a:endParaRPr>
+                    </a:p>
+                  </a:txBody>
+                  <a:tcPr marL="49476" marR="49476" marT="24738" marB="24738" anchor="ctr"/>
                 </a:tc>
                 <a:extLst>
                   <a:ext uri="{0D108BD9-81ED-4DB2-BD59-A6C34878D82A}">
@@ -5203,38 +5251,41 @@
                   </a:ext>
                 </a:extLst>
               </a:tr>
-              <a:tr h="709748">
-                <a:tc>
-                  <a:txBody>
-                    <a:bodyPr/>
-                    <a:lstStyle/>
-                    <a:p>
-                      <a:pPr algn="r" fontAlgn="ctr"/>
-                      <a:r>
-                        <a:rPr lang="en-US" sz="1200" b="1" dirty="0">
+              <a:tr h="495058">
+                <a:tc>
+                  <a:txBody>
+                    <a:bodyPr/>
+                    <a:lstStyle/>
+                    <a:p>
+                      <a:pPr algn="r" fontAlgn="ctr"/>
+                      <a:r>
+                        <a:rPr lang="en-US" sz="1200">
                           <a:effectLst/>
                         </a:rPr>
                         <a:t>0</a:t>
                       </a:r>
-                    </a:p>
-                  </a:txBody>
-                  <a:tcPr marL="60435" marR="60435" marT="30218" marB="30218" anchor="ctr">
-                    <a:lnL>
-                      <a:noFill/>
-                    </a:lnL>
-                    <a:lnR>
-                      <a:noFill/>
-                    </a:lnR>
-                    <a:lnT>
-                      <a:noFill/>
-                    </a:lnT>
-                    <a:lnB>
-                      <a:noFill/>
-                    </a:lnB>
-                    <a:solidFill>
-                      <a:srgbClr val="F5F5F5"/>
-                    </a:solidFill>
-                  </a:tcPr>
+                      <a:endParaRPr lang="en-US" sz="1200" b="1">
+                        <a:effectLst/>
+                      </a:endParaRPr>
+                    </a:p>
+                  </a:txBody>
+                  <a:tcPr marL="49476" marR="49476" marT="24738" marB="24738" anchor="ctr"/>
+                </a:tc>
+                <a:tc>
+                  <a:txBody>
+                    <a:bodyPr/>
+                    <a:lstStyle/>
+                    <a:p>
+                      <a:pPr algn="r" fontAlgn="ctr"/>
+                      <a:r>
+                        <a:rPr lang="en-US" sz="1200" dirty="0">
+                          <a:effectLst/>
+                        </a:rPr>
+                        <a:t>2014-01-01 00:00:00</a:t>
+                      </a:r>
+                    </a:p>
+                  </a:txBody>
+                  <a:tcPr marL="49476" marR="49476" marT="24738" marB="24738" anchor="ctr"/>
                 </a:tc>
                 <a:tc>
                   <a:txBody>
@@ -5246,27 +5297,11 @@
                         <a:rPr lang="en-US" sz="1200">
                           <a:effectLst/>
                         </a:rPr>
-                        <a:t>2014-01-01 00:00:00</a:t>
-                      </a:r>
-                    </a:p>
-                  </a:txBody>
-                  <a:tcPr marL="60435" marR="60435" marT="30218" marB="30218" anchor="ctr">
-                    <a:lnL>
-                      <a:noFill/>
-                    </a:lnL>
-                    <a:lnR>
-                      <a:noFill/>
-                    </a:lnR>
-                    <a:lnT>
-                      <a:noFill/>
-                    </a:lnT>
-                    <a:lnB>
-                      <a:noFill/>
-                    </a:lnB>
-                    <a:solidFill>
-                      <a:srgbClr val="F5F5F5"/>
-                    </a:solidFill>
-                  </a:tcPr>
+                        <a:t>2096.0</a:t>
+                      </a:r>
+                    </a:p>
+                  </a:txBody>
+                  <a:tcPr marL="49476" marR="49476" marT="24738" marB="24738" anchor="ctr"/>
                 </a:tc>
                 <a:tc>
                   <a:txBody>
@@ -5278,27 +5313,11 @@
                         <a:rPr lang="en-US" sz="1200">
                           <a:effectLst/>
                         </a:rPr>
-                        <a:t>2096.0</a:t>
-                      </a:r>
-                    </a:p>
-                  </a:txBody>
-                  <a:tcPr marL="60435" marR="60435" marT="30218" marB="30218" anchor="ctr">
-                    <a:lnL>
-                      <a:noFill/>
-                    </a:lnL>
-                    <a:lnR>
-                      <a:noFill/>
-                    </a:lnR>
-                    <a:lnT>
-                      <a:noFill/>
-                    </a:lnT>
-                    <a:lnB>
-                      <a:noFill/>
-                    </a:lnB>
-                    <a:solidFill>
-                      <a:srgbClr val="F5F5F5"/>
-                    </a:solidFill>
-                  </a:tcPr>
+                        <a:t>2014-01-01</a:t>
+                      </a:r>
+                    </a:p>
+                  </a:txBody>
+                  <a:tcPr marL="49476" marR="49476" marT="24738" marB="24738" anchor="ctr"/>
                 </a:tc>
                 <a:tc>
                   <a:txBody>
@@ -5310,27 +5329,11 @@
                         <a:rPr lang="en-US" sz="1200">
                           <a:effectLst/>
                         </a:rPr>
-                        <a:t>2014-01-01</a:t>
-                      </a:r>
-                    </a:p>
-                  </a:txBody>
-                  <a:tcPr marL="60435" marR="60435" marT="30218" marB="30218" anchor="ctr">
-                    <a:lnL>
-                      <a:noFill/>
-                    </a:lnL>
-                    <a:lnR>
-                      <a:noFill/>
-                    </a:lnR>
-                    <a:lnT>
-                      <a:noFill/>
-                    </a:lnT>
-                    <a:lnB>
-                      <a:noFill/>
-                    </a:lnB>
-                    <a:solidFill>
-                      <a:srgbClr val="F5F5F5"/>
-                    </a:solidFill>
-                  </a:tcPr>
+                        <a:t>2014</a:t>
+                      </a:r>
+                    </a:p>
+                  </a:txBody>
+                  <a:tcPr marL="49476" marR="49476" marT="24738" marB="24738" anchor="ctr"/>
                 </a:tc>
                 <a:tc>
                   <a:txBody>
@@ -5342,27 +5345,11 @@
                         <a:rPr lang="en-US" sz="1200">
                           <a:effectLst/>
                         </a:rPr>
-                        <a:t>2014</a:t>
-                      </a:r>
-                    </a:p>
-                  </a:txBody>
-                  <a:tcPr marL="60435" marR="60435" marT="30218" marB="30218" anchor="ctr">
-                    <a:lnL>
-                      <a:noFill/>
-                    </a:lnL>
-                    <a:lnR>
-                      <a:noFill/>
-                    </a:lnR>
-                    <a:lnT>
-                      <a:noFill/>
-                    </a:lnT>
-                    <a:lnB>
-                      <a:noFill/>
-                    </a:lnB>
-                    <a:solidFill>
-                      <a:srgbClr val="F5F5F5"/>
-                    </a:solidFill>
-                  </a:tcPr>
+                        <a:t>1</a:t>
+                      </a:r>
+                    </a:p>
+                  </a:txBody>
+                  <a:tcPr marL="49476" marR="49476" marT="24738" marB="24738" anchor="ctr"/>
                 </a:tc>
                 <a:tc>
                   <a:txBody>
@@ -5378,23 +5365,7 @@
                       </a:r>
                     </a:p>
                   </a:txBody>
-                  <a:tcPr marL="60435" marR="60435" marT="30218" marB="30218" anchor="ctr">
-                    <a:lnL>
-                      <a:noFill/>
-                    </a:lnL>
-                    <a:lnR>
-                      <a:noFill/>
-                    </a:lnR>
-                    <a:lnT>
-                      <a:noFill/>
-                    </a:lnT>
-                    <a:lnB>
-                      <a:noFill/>
-                    </a:lnB>
-                    <a:solidFill>
-                      <a:srgbClr val="F5F5F5"/>
-                    </a:solidFill>
-                  </a:tcPr>
+                  <a:tcPr marL="49476" marR="49476" marT="24738" marB="24738" anchor="ctr"/>
                 </a:tc>
                 <a:tc>
                   <a:txBody>
@@ -5406,27 +5377,59 @@
                         <a:rPr lang="en-US" sz="1200">
                           <a:effectLst/>
                         </a:rPr>
+                        <a:t>0</a:t>
+                      </a:r>
+                    </a:p>
+                  </a:txBody>
+                  <a:tcPr marL="49476" marR="49476" marT="24738" marB="24738" anchor="ctr"/>
+                </a:tc>
+                <a:tc>
+                  <a:txBody>
+                    <a:bodyPr/>
+                    <a:lstStyle/>
+                    <a:p>
+                      <a:pPr algn="r" fontAlgn="ctr"/>
+                      <a:r>
+                        <a:rPr lang="en-US" sz="1200">
+                          <a:effectLst/>
+                        </a:rPr>
+                        <a:t>Wednesday</a:t>
+                      </a:r>
+                    </a:p>
+                  </a:txBody>
+                  <a:tcPr marL="49476" marR="49476" marT="24738" marB="24738" anchor="ctr"/>
+                </a:tc>
+                <a:tc>
+                  <a:txBody>
+                    <a:bodyPr/>
+                    <a:lstStyle/>
+                    <a:p>
+                      <a:pPr algn="r" fontAlgn="ctr"/>
+                      <a:r>
+                        <a:rPr lang="en-US" sz="1200">
+                          <a:effectLst/>
+                        </a:rPr>
+                        <a:t>winter</a:t>
+                      </a:r>
+                    </a:p>
+                  </a:txBody>
+                  <a:tcPr marL="49476" marR="49476" marT="24738" marB="24738" anchor="ctr"/>
+                </a:tc>
+                <a:tc>
+                  <a:txBody>
+                    <a:bodyPr/>
+                    <a:lstStyle/>
+                    <a:p>
+                      <a:pPr algn="r" fontAlgn="ctr"/>
+                      <a:r>
+                        <a:rPr lang="en-US" sz="1200">
+                          <a:effectLst/>
+                        </a:rPr>
                         <a:t>1</a:t>
                       </a:r>
                     </a:p>
                   </a:txBody>
-                  <a:tcPr marL="60435" marR="60435" marT="30218" marB="30218" anchor="ctr">
-                    <a:lnL>
-                      <a:noFill/>
-                    </a:lnL>
-                    <a:lnR>
-                      <a:noFill/>
-                    </a:lnR>
-                    <a:lnT>
-                      <a:noFill/>
-                    </a:lnT>
-                    <a:lnB>
-                      <a:noFill/>
-                    </a:lnB>
-                    <a:solidFill>
-                      <a:srgbClr val="F5F5F5"/>
-                    </a:solidFill>
-                  </a:tcPr>
+                  <a:tcPr marL="49476" marR="49476" marT="24738" marB="24738" anchor="ctr"/>
                 </a:tc>
                 <a:tc>
                   <a:txBody>
@@ -5438,152 +5441,11 @@
                         <a:rPr lang="en-US" sz="1200">
                           <a:effectLst/>
                         </a:rPr>
-                        <a:t>0</a:t>
-                      </a:r>
-                    </a:p>
-                  </a:txBody>
-                  <a:tcPr marL="60435" marR="60435" marT="30218" marB="30218" anchor="ctr">
-                    <a:lnL>
-                      <a:noFill/>
-                    </a:lnL>
-                    <a:lnR>
-                      <a:noFill/>
-                    </a:lnR>
-                    <a:lnT>
-                      <a:noFill/>
-                    </a:lnT>
-                    <a:lnB>
-                      <a:noFill/>
-                    </a:lnB>
-                    <a:solidFill>
-                      <a:srgbClr val="F5F5F5"/>
-                    </a:solidFill>
-                  </a:tcPr>
-                </a:tc>
-                <a:tc>
-                  <a:txBody>
-                    <a:bodyPr/>
-                    <a:lstStyle/>
-                    <a:p>
-                      <a:pPr algn="r" fontAlgn="ctr"/>
-                      <a:r>
-                        <a:rPr lang="en-US" sz="1200">
-                          <a:effectLst/>
-                        </a:rPr>
-                        <a:t>Wednesday</a:t>
-                      </a:r>
-                    </a:p>
-                  </a:txBody>
-                  <a:tcPr marL="60435" marR="60435" marT="30218" marB="30218" anchor="ctr">
-                    <a:lnL>
-                      <a:noFill/>
-                    </a:lnL>
-                    <a:lnR>
-                      <a:noFill/>
-                    </a:lnR>
-                    <a:lnT>
-                      <a:noFill/>
-                    </a:lnT>
-                    <a:lnB>
-                      <a:noFill/>
-                    </a:lnB>
-                    <a:solidFill>
-                      <a:srgbClr val="F5F5F5"/>
-                    </a:solidFill>
-                  </a:tcPr>
-                </a:tc>
-                <a:tc>
-                  <a:txBody>
-                    <a:bodyPr/>
-                    <a:lstStyle/>
-                    <a:p>
-                      <a:pPr algn="r" fontAlgn="ctr"/>
-                      <a:r>
-                        <a:rPr lang="en-US" sz="1200">
-                          <a:effectLst/>
-                        </a:rPr>
-                        <a:t>winter</a:t>
-                      </a:r>
-                    </a:p>
-                  </a:txBody>
-                  <a:tcPr marL="60435" marR="60435" marT="30218" marB="30218" anchor="ctr">
-                    <a:lnL>
-                      <a:noFill/>
-                    </a:lnL>
-                    <a:lnR>
-                      <a:noFill/>
-                    </a:lnR>
-                    <a:lnT>
-                      <a:noFill/>
-                    </a:lnT>
-                    <a:lnB>
-                      <a:noFill/>
-                    </a:lnB>
-                    <a:solidFill>
-                      <a:srgbClr val="F5F5F5"/>
-                    </a:solidFill>
-                  </a:tcPr>
-                </a:tc>
-                <a:tc>
-                  <a:txBody>
-                    <a:bodyPr/>
-                    <a:lstStyle/>
-                    <a:p>
-                      <a:pPr algn="r" fontAlgn="ctr"/>
-                      <a:r>
-                        <a:rPr lang="en-US" sz="1200">
-                          <a:effectLst/>
-                        </a:rPr>
-                        <a:t>1</a:t>
-                      </a:r>
-                    </a:p>
-                  </a:txBody>
-                  <a:tcPr marL="60435" marR="60435" marT="30218" marB="30218" anchor="ctr">
-                    <a:lnL>
-                      <a:noFill/>
-                    </a:lnL>
-                    <a:lnR>
-                      <a:noFill/>
-                    </a:lnR>
-                    <a:lnT>
-                      <a:noFill/>
-                    </a:lnT>
-                    <a:lnB>
-                      <a:noFill/>
-                    </a:lnB>
-                    <a:solidFill>
-                      <a:srgbClr val="F5F5F5"/>
-                    </a:solidFill>
-                  </a:tcPr>
-                </a:tc>
-                <a:tc>
-                  <a:txBody>
-                    <a:bodyPr/>
-                    <a:lstStyle/>
-                    <a:p>
-                      <a:pPr algn="r" fontAlgn="ctr"/>
-                      <a:r>
-                        <a:rPr lang="en-US" sz="1200">
-                          <a:effectLst/>
-                        </a:rPr>
                         <a:t>non-working</a:t>
                       </a:r>
                     </a:p>
                   </a:txBody>
-                  <a:tcPr marL="60435" marR="60435" marT="30218" marB="30218" anchor="ctr">
-                    <a:lnL>
-                      <a:noFill/>
-                    </a:lnL>
-                    <a:lnR>
-                      <a:noFill/>
-                    </a:lnR>
-                    <a:lnB>
-                      <a:noFill/>
-                    </a:lnB>
-                    <a:solidFill>
-                      <a:srgbClr val="F5F5F5"/>
-                    </a:solidFill>
-                  </a:tcPr>
+                  <a:tcPr marL="49476" marR="49476" marT="24738" marB="24738" anchor="ctr"/>
                 </a:tc>
                 <a:extLst>
                   <a:ext uri="{0D108BD9-81ED-4DB2-BD59-A6C34878D82A}">
@@ -5591,38 +5453,25 @@
                   </a:ext>
                 </a:extLst>
               </a:tr>
-              <a:tr h="709748">
-                <a:tc>
-                  <a:txBody>
-                    <a:bodyPr/>
-                    <a:lstStyle/>
-                    <a:p>
-                      <a:pPr algn="r" fontAlgn="ctr"/>
-                      <a:r>
-                        <a:rPr lang="en-US" sz="1200" b="1">
+              <a:tr h="495058">
+                <a:tc>
+                  <a:txBody>
+                    <a:bodyPr/>
+                    <a:lstStyle/>
+                    <a:p>
+                      <a:pPr algn="r" fontAlgn="ctr"/>
+                      <a:r>
+                        <a:rPr lang="en-US" sz="1200">
                           <a:effectLst/>
                         </a:rPr>
                         <a:t>1</a:t>
                       </a:r>
-                    </a:p>
-                  </a:txBody>
-                  <a:tcPr marL="60435" marR="60435" marT="30218" marB="30218" anchor="ctr">
-                    <a:lnL>
-                      <a:noFill/>
-                    </a:lnL>
-                    <a:lnR>
-                      <a:noFill/>
-                    </a:lnR>
-                    <a:lnT>
-                      <a:noFill/>
-                    </a:lnT>
-                    <a:lnB>
-                      <a:noFill/>
-                    </a:lnB>
-                    <a:solidFill>
-                      <a:srgbClr val="FFFFFF"/>
-                    </a:solidFill>
-                  </a:tcPr>
+                      <a:endParaRPr lang="en-US" sz="1200" b="1">
+                        <a:effectLst/>
+                      </a:endParaRPr>
+                    </a:p>
+                  </a:txBody>
+                  <a:tcPr marL="49476" marR="49476" marT="24738" marB="24738" anchor="ctr"/>
                 </a:tc>
                 <a:tc>
                   <a:txBody>
@@ -5638,23 +5487,23 @@
                       </a:r>
                     </a:p>
                   </a:txBody>
-                  <a:tcPr marL="60435" marR="60435" marT="30218" marB="30218" anchor="ctr">
-                    <a:lnL>
-                      <a:noFill/>
-                    </a:lnL>
-                    <a:lnR>
-                      <a:noFill/>
-                    </a:lnR>
-                    <a:lnT>
-                      <a:noFill/>
-                    </a:lnT>
-                    <a:lnB>
-                      <a:noFill/>
-                    </a:lnB>
-                    <a:solidFill>
-                      <a:srgbClr val="FFFFFF"/>
-                    </a:solidFill>
-                  </a:tcPr>
+                  <a:tcPr marL="49476" marR="49476" marT="24738" marB="24738" anchor="ctr"/>
+                </a:tc>
+                <a:tc>
+                  <a:txBody>
+                    <a:bodyPr/>
+                    <a:lstStyle/>
+                    <a:p>
+                      <a:pPr algn="r" fontAlgn="ctr"/>
+                      <a:r>
+                        <a:rPr lang="en-US" sz="1200" dirty="0">
+                          <a:effectLst/>
+                        </a:rPr>
+                        <a:t>1986.0</a:t>
+                      </a:r>
+                    </a:p>
+                  </a:txBody>
+                  <a:tcPr marL="49476" marR="49476" marT="24738" marB="24738" anchor="ctr"/>
                 </a:tc>
                 <a:tc>
                   <a:txBody>
@@ -5666,27 +5515,11 @@
                         <a:rPr lang="en-US" sz="1200">
                           <a:effectLst/>
                         </a:rPr>
-                        <a:t>1986.0</a:t>
-                      </a:r>
-                    </a:p>
-                  </a:txBody>
-                  <a:tcPr marL="60435" marR="60435" marT="30218" marB="30218" anchor="ctr">
-                    <a:lnL>
-                      <a:noFill/>
-                    </a:lnL>
-                    <a:lnR>
-                      <a:noFill/>
-                    </a:lnR>
-                    <a:lnT>
-                      <a:noFill/>
-                    </a:lnT>
-                    <a:lnB>
-                      <a:noFill/>
-                    </a:lnB>
-                    <a:solidFill>
-                      <a:srgbClr val="FFFFFF"/>
-                    </a:solidFill>
-                  </a:tcPr>
+                        <a:t>2014-01-01</a:t>
+                      </a:r>
+                    </a:p>
+                  </a:txBody>
+                  <a:tcPr marL="49476" marR="49476" marT="24738" marB="24738" anchor="ctr"/>
                 </a:tc>
                 <a:tc>
                   <a:txBody>
@@ -5698,27 +5531,11 @@
                         <a:rPr lang="en-US" sz="1200">
                           <a:effectLst/>
                         </a:rPr>
-                        <a:t>2014-01-01</a:t>
-                      </a:r>
-                    </a:p>
-                  </a:txBody>
-                  <a:tcPr marL="60435" marR="60435" marT="30218" marB="30218" anchor="ctr">
-                    <a:lnL>
-                      <a:noFill/>
-                    </a:lnL>
-                    <a:lnR>
-                      <a:noFill/>
-                    </a:lnR>
-                    <a:lnT>
-                      <a:noFill/>
-                    </a:lnT>
-                    <a:lnB>
-                      <a:noFill/>
-                    </a:lnB>
-                    <a:solidFill>
-                      <a:srgbClr val="FFFFFF"/>
-                    </a:solidFill>
-                  </a:tcPr>
+                        <a:t>2014</a:t>
+                      </a:r>
+                    </a:p>
+                  </a:txBody>
+                  <a:tcPr marL="49476" marR="49476" marT="24738" marB="24738" anchor="ctr"/>
                 </a:tc>
                 <a:tc>
                   <a:txBody>
@@ -5730,27 +5547,11 @@
                         <a:rPr lang="en-US" sz="1200">
                           <a:effectLst/>
                         </a:rPr>
-                        <a:t>2014</a:t>
-                      </a:r>
-                    </a:p>
-                  </a:txBody>
-                  <a:tcPr marL="60435" marR="60435" marT="30218" marB="30218" anchor="ctr">
-                    <a:lnL>
-                      <a:noFill/>
-                    </a:lnL>
-                    <a:lnR>
-                      <a:noFill/>
-                    </a:lnR>
-                    <a:lnT>
-                      <a:noFill/>
-                    </a:lnT>
-                    <a:lnB>
-                      <a:noFill/>
-                    </a:lnB>
-                    <a:solidFill>
-                      <a:srgbClr val="FFFFFF"/>
-                    </a:solidFill>
-                  </a:tcPr>
+                        <a:t>1</a:t>
+                      </a:r>
+                    </a:p>
+                  </a:txBody>
+                  <a:tcPr marL="49476" marR="49476" marT="24738" marB="24738" anchor="ctr"/>
                 </a:tc>
                 <a:tc>
                   <a:txBody>
@@ -5766,23 +5567,7 @@
                       </a:r>
                     </a:p>
                   </a:txBody>
-                  <a:tcPr marL="60435" marR="60435" marT="30218" marB="30218" anchor="ctr">
-                    <a:lnL>
-                      <a:noFill/>
-                    </a:lnL>
-                    <a:lnR>
-                      <a:noFill/>
-                    </a:lnR>
-                    <a:lnT>
-                      <a:noFill/>
-                    </a:lnT>
-                    <a:lnB>
-                      <a:noFill/>
-                    </a:lnB>
-                    <a:solidFill>
-                      <a:srgbClr val="FFFFFF"/>
-                    </a:solidFill>
-                  </a:tcPr>
+                  <a:tcPr marL="49476" marR="49476" marT="24738" marB="24738" anchor="ctr"/>
                 </a:tc>
                 <a:tc>
                   <a:txBody>
@@ -5798,23 +5583,7 @@
                       </a:r>
                     </a:p>
                   </a:txBody>
-                  <a:tcPr marL="60435" marR="60435" marT="30218" marB="30218" anchor="ctr">
-                    <a:lnL>
-                      <a:noFill/>
-                    </a:lnL>
-                    <a:lnR>
-                      <a:noFill/>
-                    </a:lnR>
-                    <a:lnT>
-                      <a:noFill/>
-                    </a:lnT>
-                    <a:lnB>
-                      <a:noFill/>
-                    </a:lnB>
-                    <a:solidFill>
-                      <a:srgbClr val="FFFFFF"/>
-                    </a:solidFill>
-                  </a:tcPr>
+                  <a:tcPr marL="49476" marR="49476" marT="24738" marB="24738" anchor="ctr"/>
                 </a:tc>
                 <a:tc>
                   <a:txBody>
@@ -5826,27 +5595,43 @@
                         <a:rPr lang="en-US" sz="1200">
                           <a:effectLst/>
                         </a:rPr>
+                        <a:t>Wednesday</a:t>
+                      </a:r>
+                    </a:p>
+                  </a:txBody>
+                  <a:tcPr marL="49476" marR="49476" marT="24738" marB="24738" anchor="ctr"/>
+                </a:tc>
+                <a:tc>
+                  <a:txBody>
+                    <a:bodyPr/>
+                    <a:lstStyle/>
+                    <a:p>
+                      <a:pPr algn="r" fontAlgn="ctr"/>
+                      <a:r>
+                        <a:rPr lang="en-US" sz="1200">
+                          <a:effectLst/>
+                        </a:rPr>
+                        <a:t>winter</a:t>
+                      </a:r>
+                    </a:p>
+                  </a:txBody>
+                  <a:tcPr marL="49476" marR="49476" marT="24738" marB="24738" anchor="ctr"/>
+                </a:tc>
+                <a:tc>
+                  <a:txBody>
+                    <a:bodyPr/>
+                    <a:lstStyle/>
+                    <a:p>
+                      <a:pPr algn="r" fontAlgn="ctr"/>
+                      <a:r>
+                        <a:rPr lang="en-US" sz="1200">
+                          <a:effectLst/>
+                        </a:rPr>
                         <a:t>1</a:t>
                       </a:r>
                     </a:p>
                   </a:txBody>
-                  <a:tcPr marL="60435" marR="60435" marT="30218" marB="30218" anchor="ctr">
-                    <a:lnL>
-                      <a:noFill/>
-                    </a:lnL>
-                    <a:lnR>
-                      <a:noFill/>
-                    </a:lnR>
-                    <a:lnT>
-                      <a:noFill/>
-                    </a:lnT>
-                    <a:lnB>
-                      <a:noFill/>
-                    </a:lnB>
-                    <a:solidFill>
-                      <a:srgbClr val="FFFFFF"/>
-                    </a:solidFill>
-                  </a:tcPr>
+                  <a:tcPr marL="49476" marR="49476" marT="24738" marB="24738" anchor="ctr"/>
                 </a:tc>
                 <a:tc>
                   <a:txBody>
@@ -5858,123 +5643,11 @@
                         <a:rPr lang="en-US" sz="1200">
                           <a:effectLst/>
                         </a:rPr>
-                        <a:t>Wednesday</a:t>
-                      </a:r>
-                    </a:p>
-                  </a:txBody>
-                  <a:tcPr marL="60435" marR="60435" marT="30218" marB="30218" anchor="ctr">
-                    <a:lnL>
-                      <a:noFill/>
-                    </a:lnL>
-                    <a:lnR>
-                      <a:noFill/>
-                    </a:lnR>
-                    <a:lnT>
-                      <a:noFill/>
-                    </a:lnT>
-                    <a:lnB>
-                      <a:noFill/>
-                    </a:lnB>
-                    <a:solidFill>
-                      <a:srgbClr val="FFFFFF"/>
-                    </a:solidFill>
-                  </a:tcPr>
-                </a:tc>
-                <a:tc>
-                  <a:txBody>
-                    <a:bodyPr/>
-                    <a:lstStyle/>
-                    <a:p>
-                      <a:pPr algn="r" fontAlgn="ctr"/>
-                      <a:r>
-                        <a:rPr lang="en-US" sz="1200">
-                          <a:effectLst/>
-                        </a:rPr>
-                        <a:t>winter</a:t>
-                      </a:r>
-                    </a:p>
-                  </a:txBody>
-                  <a:tcPr marL="60435" marR="60435" marT="30218" marB="30218" anchor="ctr">
-                    <a:lnL>
-                      <a:noFill/>
-                    </a:lnL>
-                    <a:lnR>
-                      <a:noFill/>
-                    </a:lnR>
-                    <a:lnT>
-                      <a:noFill/>
-                    </a:lnT>
-                    <a:lnB>
-                      <a:noFill/>
-                    </a:lnB>
-                    <a:solidFill>
-                      <a:srgbClr val="FFFFFF"/>
-                    </a:solidFill>
-                  </a:tcPr>
-                </a:tc>
-                <a:tc>
-                  <a:txBody>
-                    <a:bodyPr/>
-                    <a:lstStyle/>
-                    <a:p>
-                      <a:pPr algn="r" fontAlgn="ctr"/>
-                      <a:r>
-                        <a:rPr lang="en-US" sz="1200">
-                          <a:effectLst/>
-                        </a:rPr>
-                        <a:t>1</a:t>
-                      </a:r>
-                    </a:p>
-                  </a:txBody>
-                  <a:tcPr marL="60435" marR="60435" marT="30218" marB="30218" anchor="ctr">
-                    <a:lnL>
-                      <a:noFill/>
-                    </a:lnL>
-                    <a:lnR>
-                      <a:noFill/>
-                    </a:lnR>
-                    <a:lnT>
-                      <a:noFill/>
-                    </a:lnT>
-                    <a:lnB>
-                      <a:noFill/>
-                    </a:lnB>
-                    <a:solidFill>
-                      <a:srgbClr val="FFFFFF"/>
-                    </a:solidFill>
-                  </a:tcPr>
-                </a:tc>
-                <a:tc>
-                  <a:txBody>
-                    <a:bodyPr/>
-                    <a:lstStyle/>
-                    <a:p>
-                      <a:pPr algn="r" fontAlgn="ctr"/>
-                      <a:r>
-                        <a:rPr lang="en-US" sz="1200" dirty="0">
-                          <a:effectLst/>
-                        </a:rPr>
                         <a:t>non-working</a:t>
                       </a:r>
                     </a:p>
                   </a:txBody>
-                  <a:tcPr marL="60435" marR="60435" marT="30218" marB="30218" anchor="ctr">
-                    <a:lnL>
-                      <a:noFill/>
-                    </a:lnL>
-                    <a:lnR>
-                      <a:noFill/>
-                    </a:lnR>
-                    <a:lnT>
-                      <a:noFill/>
-                    </a:lnT>
-                    <a:lnB>
-                      <a:noFill/>
-                    </a:lnB>
-                    <a:solidFill>
-                      <a:srgbClr val="FFFFFF"/>
-                    </a:solidFill>
-                  </a:tcPr>
+                  <a:tcPr marL="49476" marR="49476" marT="24738" marB="24738" anchor="ctr"/>
                 </a:tc>
                 <a:extLst>
                   <a:ext uri="{0D108BD9-81ED-4DB2-BD59-A6C34878D82A}">
@@ -5982,38 +5655,25 @@
                   </a:ext>
                 </a:extLst>
               </a:tr>
-              <a:tr h="709748">
-                <a:tc>
-                  <a:txBody>
-                    <a:bodyPr/>
-                    <a:lstStyle/>
-                    <a:p>
-                      <a:pPr algn="r" fontAlgn="ctr"/>
-                      <a:r>
-                        <a:rPr lang="en-US" sz="1200" b="1">
+              <a:tr h="495058">
+                <a:tc>
+                  <a:txBody>
+                    <a:bodyPr/>
+                    <a:lstStyle/>
+                    <a:p>
+                      <a:pPr algn="r" fontAlgn="ctr"/>
+                      <a:r>
+                        <a:rPr lang="en-US" sz="1200">
                           <a:effectLst/>
                         </a:rPr>
                         <a:t>2</a:t>
                       </a:r>
-                    </a:p>
-                  </a:txBody>
-                  <a:tcPr marL="60435" marR="60435" marT="30218" marB="30218" anchor="ctr">
-                    <a:lnL>
-                      <a:noFill/>
-                    </a:lnL>
-                    <a:lnR>
-                      <a:noFill/>
-                    </a:lnR>
-                    <a:lnT>
-                      <a:noFill/>
-                    </a:lnT>
-                    <a:lnB>
-                      <a:noFill/>
-                    </a:lnB>
-                    <a:solidFill>
-                      <a:srgbClr val="F5F5F5"/>
-                    </a:solidFill>
-                  </a:tcPr>
+                      <a:endParaRPr lang="en-US" sz="1200" b="1">
+                        <a:effectLst/>
+                      </a:endParaRPr>
+                    </a:p>
+                  </a:txBody>
+                  <a:tcPr marL="49476" marR="49476" marT="24738" marB="24738" anchor="ctr"/>
                 </a:tc>
                 <a:tc>
                   <a:txBody>
@@ -6029,23 +5689,7 @@
                       </a:r>
                     </a:p>
                   </a:txBody>
-                  <a:tcPr marL="60435" marR="60435" marT="30218" marB="30218" anchor="ctr">
-                    <a:lnL>
-                      <a:noFill/>
-                    </a:lnL>
-                    <a:lnR>
-                      <a:noFill/>
-                    </a:lnR>
-                    <a:lnT>
-                      <a:noFill/>
-                    </a:lnT>
-                    <a:lnB>
-                      <a:noFill/>
-                    </a:lnB>
-                    <a:solidFill>
-                      <a:srgbClr val="F5F5F5"/>
-                    </a:solidFill>
-                  </a:tcPr>
+                  <a:tcPr marL="49476" marR="49476" marT="24738" marB="24738" anchor="ctr"/>
                 </a:tc>
                 <a:tc>
                   <a:txBody>
@@ -6061,23 +5705,7 @@
                       </a:r>
                     </a:p>
                   </a:txBody>
-                  <a:tcPr marL="60435" marR="60435" marT="30218" marB="30218" anchor="ctr">
-                    <a:lnL>
-                      <a:noFill/>
-                    </a:lnL>
-                    <a:lnR>
-                      <a:noFill/>
-                    </a:lnR>
-                    <a:lnT>
-                      <a:noFill/>
-                    </a:lnT>
-                    <a:lnB>
-                      <a:noFill/>
-                    </a:lnB>
-                    <a:solidFill>
-                      <a:srgbClr val="F5F5F5"/>
-                    </a:solidFill>
-                  </a:tcPr>
+                  <a:tcPr marL="49476" marR="49476" marT="24738" marB="24738" anchor="ctr"/>
                 </a:tc>
                 <a:tc>
                   <a:txBody>
@@ -6093,23 +5721,7 @@
                       </a:r>
                     </a:p>
                   </a:txBody>
-                  <a:tcPr marL="60435" marR="60435" marT="30218" marB="30218" anchor="ctr">
-                    <a:lnL>
-                      <a:noFill/>
-                    </a:lnL>
-                    <a:lnR>
-                      <a:noFill/>
-                    </a:lnR>
-                    <a:lnT>
-                      <a:noFill/>
-                    </a:lnT>
-                    <a:lnB>
-                      <a:noFill/>
-                    </a:lnB>
-                    <a:solidFill>
-                      <a:srgbClr val="F5F5F5"/>
-                    </a:solidFill>
-                  </a:tcPr>
+                  <a:tcPr marL="49476" marR="49476" marT="24738" marB="24738" anchor="ctr"/>
                 </a:tc>
                 <a:tc>
                   <a:txBody>
@@ -6125,23 +5737,7 @@
                       </a:r>
                     </a:p>
                   </a:txBody>
-                  <a:tcPr marL="60435" marR="60435" marT="30218" marB="30218" anchor="ctr">
-                    <a:lnL>
-                      <a:noFill/>
-                    </a:lnL>
-                    <a:lnR>
-                      <a:noFill/>
-                    </a:lnR>
-                    <a:lnT>
-                      <a:noFill/>
-                    </a:lnT>
-                    <a:lnB>
-                      <a:noFill/>
-                    </a:lnB>
-                    <a:solidFill>
-                      <a:srgbClr val="F5F5F5"/>
-                    </a:solidFill>
-                  </a:tcPr>
+                  <a:tcPr marL="49476" marR="49476" marT="24738" marB="24738" anchor="ctr"/>
                 </a:tc>
                 <a:tc>
                   <a:txBody>
@@ -6157,23 +5753,7 @@
                       </a:r>
                     </a:p>
                   </a:txBody>
-                  <a:tcPr marL="60435" marR="60435" marT="30218" marB="30218" anchor="ctr">
-                    <a:lnL>
-                      <a:noFill/>
-                    </a:lnL>
-                    <a:lnR>
-                      <a:noFill/>
-                    </a:lnR>
-                    <a:lnT>
-                      <a:noFill/>
-                    </a:lnT>
-                    <a:lnB>
-                      <a:noFill/>
-                    </a:lnB>
-                    <a:solidFill>
-                      <a:srgbClr val="F5F5F5"/>
-                    </a:solidFill>
-                  </a:tcPr>
+                  <a:tcPr marL="49476" marR="49476" marT="24738" marB="24738" anchor="ctr"/>
                 </a:tc>
                 <a:tc>
                   <a:txBody>
@@ -6189,23 +5769,7 @@
                       </a:r>
                     </a:p>
                   </a:txBody>
-                  <a:tcPr marL="60435" marR="60435" marT="30218" marB="30218" anchor="ctr">
-                    <a:lnL>
-                      <a:noFill/>
-                    </a:lnL>
-                    <a:lnR>
-                      <a:noFill/>
-                    </a:lnR>
-                    <a:lnT>
-                      <a:noFill/>
-                    </a:lnT>
-                    <a:lnB>
-                      <a:noFill/>
-                    </a:lnB>
-                    <a:solidFill>
-                      <a:srgbClr val="F5F5F5"/>
-                    </a:solidFill>
-                  </a:tcPr>
+                  <a:tcPr marL="49476" marR="49476" marT="24738" marB="24738" anchor="ctr"/>
                 </a:tc>
                 <a:tc>
                   <a:txBody>
@@ -6221,23 +5785,7 @@
                       </a:r>
                     </a:p>
                   </a:txBody>
-                  <a:tcPr marL="60435" marR="60435" marT="30218" marB="30218" anchor="ctr">
-                    <a:lnL>
-                      <a:noFill/>
-                    </a:lnL>
-                    <a:lnR>
-                      <a:noFill/>
-                    </a:lnR>
-                    <a:lnT>
-                      <a:noFill/>
-                    </a:lnT>
-                    <a:lnB>
-                      <a:noFill/>
-                    </a:lnB>
-                    <a:solidFill>
-                      <a:srgbClr val="F5F5F5"/>
-                    </a:solidFill>
-                  </a:tcPr>
+                  <a:tcPr marL="49476" marR="49476" marT="24738" marB="24738" anchor="ctr"/>
                 </a:tc>
                 <a:tc>
                   <a:txBody>
@@ -6253,23 +5801,7 @@
                       </a:r>
                     </a:p>
                   </a:txBody>
-                  <a:tcPr marL="60435" marR="60435" marT="30218" marB="30218" anchor="ctr">
-                    <a:lnL>
-                      <a:noFill/>
-                    </a:lnL>
-                    <a:lnR>
-                      <a:noFill/>
-                    </a:lnR>
-                    <a:lnT>
-                      <a:noFill/>
-                    </a:lnT>
-                    <a:lnB>
-                      <a:noFill/>
-                    </a:lnB>
-                    <a:solidFill>
-                      <a:srgbClr val="F5F5F5"/>
-                    </a:solidFill>
-                  </a:tcPr>
+                  <a:tcPr marL="49476" marR="49476" marT="24738" marB="24738" anchor="ctr"/>
                 </a:tc>
                 <a:tc>
                   <a:txBody>
@@ -6285,23 +5817,7 @@
                       </a:r>
                     </a:p>
                   </a:txBody>
-                  <a:tcPr marL="60435" marR="60435" marT="30218" marB="30218" anchor="ctr">
-                    <a:lnL>
-                      <a:noFill/>
-                    </a:lnL>
-                    <a:lnR>
-                      <a:noFill/>
-                    </a:lnR>
-                    <a:lnT>
-                      <a:noFill/>
-                    </a:lnT>
-                    <a:lnB>
-                      <a:noFill/>
-                    </a:lnB>
-                    <a:solidFill>
-                      <a:srgbClr val="F5F5F5"/>
-                    </a:solidFill>
-                  </a:tcPr>
+                  <a:tcPr marL="49476" marR="49476" marT="24738" marB="24738" anchor="ctr"/>
                 </a:tc>
                 <a:tc>
                   <a:txBody>
@@ -6317,23 +5833,7 @@
                       </a:r>
                     </a:p>
                   </a:txBody>
-                  <a:tcPr marL="60435" marR="60435" marT="30218" marB="30218" anchor="ctr">
-                    <a:lnL>
-                      <a:noFill/>
-                    </a:lnL>
-                    <a:lnR>
-                      <a:noFill/>
-                    </a:lnR>
-                    <a:lnT>
-                      <a:noFill/>
-                    </a:lnT>
-                    <a:lnB>
-                      <a:noFill/>
-                    </a:lnB>
-                    <a:solidFill>
-                      <a:srgbClr val="F5F5F5"/>
-                    </a:solidFill>
-                  </a:tcPr>
+                  <a:tcPr marL="49476" marR="49476" marT="24738" marB="24738" anchor="ctr"/>
                 </a:tc>
                 <a:tc>
                   <a:txBody>
@@ -6349,23 +5849,7 @@
                       </a:r>
                     </a:p>
                   </a:txBody>
-                  <a:tcPr marL="60435" marR="60435" marT="30218" marB="30218" anchor="ctr">
-                    <a:lnL>
-                      <a:noFill/>
-                    </a:lnL>
-                    <a:lnR>
-                      <a:noFill/>
-                    </a:lnR>
-                    <a:lnT>
-                      <a:noFill/>
-                    </a:lnT>
-                    <a:lnB>
-                      <a:noFill/>
-                    </a:lnB>
-                    <a:solidFill>
-                      <a:srgbClr val="F5F5F5"/>
-                    </a:solidFill>
-                  </a:tcPr>
+                  <a:tcPr marL="49476" marR="49476" marT="24738" marB="24738" anchor="ctr"/>
                 </a:tc>
                 <a:extLst>
                   <a:ext uri="{0D108BD9-81ED-4DB2-BD59-A6C34878D82A}">
@@ -6373,38 +5857,25 @@
                   </a:ext>
                 </a:extLst>
               </a:tr>
-              <a:tr h="709748">
-                <a:tc>
-                  <a:txBody>
-                    <a:bodyPr/>
-                    <a:lstStyle/>
-                    <a:p>
-                      <a:pPr algn="r" fontAlgn="ctr"/>
-                      <a:r>
-                        <a:rPr lang="en-US" sz="1200" b="1">
+              <a:tr h="495058">
+                <a:tc>
+                  <a:txBody>
+                    <a:bodyPr/>
+                    <a:lstStyle/>
+                    <a:p>
+                      <a:pPr algn="r" fontAlgn="ctr"/>
+                      <a:r>
+                        <a:rPr lang="en-US" sz="1200">
                           <a:effectLst/>
                         </a:rPr>
                         <a:t>3</a:t>
                       </a:r>
-                    </a:p>
-                  </a:txBody>
-                  <a:tcPr marL="60435" marR="60435" marT="30218" marB="30218" anchor="ctr">
-                    <a:lnL>
-                      <a:noFill/>
-                    </a:lnL>
-                    <a:lnR>
-                      <a:noFill/>
-                    </a:lnR>
-                    <a:lnT>
-                      <a:noFill/>
-                    </a:lnT>
-                    <a:lnB>
-                      <a:noFill/>
-                    </a:lnB>
-                    <a:solidFill>
-                      <a:srgbClr val="FFFFFF"/>
-                    </a:solidFill>
-                  </a:tcPr>
+                      <a:endParaRPr lang="en-US" sz="1200" b="1">
+                        <a:effectLst/>
+                      </a:endParaRPr>
+                    </a:p>
+                  </a:txBody>
+                  <a:tcPr marL="49476" marR="49476" marT="24738" marB="24738" anchor="ctr"/>
                 </a:tc>
                 <a:tc>
                   <a:txBody>
@@ -6420,23 +5891,7 @@
                       </a:r>
                     </a:p>
                   </a:txBody>
-                  <a:tcPr marL="60435" marR="60435" marT="30218" marB="30218" anchor="ctr">
-                    <a:lnL>
-                      <a:noFill/>
-                    </a:lnL>
-                    <a:lnR>
-                      <a:noFill/>
-                    </a:lnR>
-                    <a:lnT>
-                      <a:noFill/>
-                    </a:lnT>
-                    <a:lnB>
-                      <a:noFill/>
-                    </a:lnB>
-                    <a:solidFill>
-                      <a:srgbClr val="FFFFFF"/>
-                    </a:solidFill>
-                  </a:tcPr>
+                  <a:tcPr marL="49476" marR="49476" marT="24738" marB="24738" anchor="ctr"/>
                 </a:tc>
                 <a:tc>
                   <a:txBody>
@@ -6452,23 +5907,7 @@
                       </a:r>
                     </a:p>
                   </a:txBody>
-                  <a:tcPr marL="60435" marR="60435" marT="30218" marB="30218" anchor="ctr">
-                    <a:lnL>
-                      <a:noFill/>
-                    </a:lnL>
-                    <a:lnR>
-                      <a:noFill/>
-                    </a:lnR>
-                    <a:lnT>
-                      <a:noFill/>
-                    </a:lnT>
-                    <a:lnB>
-                      <a:noFill/>
-                    </a:lnB>
-                    <a:solidFill>
-                      <a:srgbClr val="FFFFFF"/>
-                    </a:solidFill>
-                  </a:tcPr>
+                  <a:tcPr marL="49476" marR="49476" marT="24738" marB="24738" anchor="ctr"/>
                 </a:tc>
                 <a:tc>
                   <a:txBody>
@@ -6484,23 +5923,7 @@
                       </a:r>
                     </a:p>
                   </a:txBody>
-                  <a:tcPr marL="60435" marR="60435" marT="30218" marB="30218" anchor="ctr">
-                    <a:lnL>
-                      <a:noFill/>
-                    </a:lnL>
-                    <a:lnR>
-                      <a:noFill/>
-                    </a:lnR>
-                    <a:lnT>
-                      <a:noFill/>
-                    </a:lnT>
-                    <a:lnB>
-                      <a:noFill/>
-                    </a:lnB>
-                    <a:solidFill>
-                      <a:srgbClr val="FFFFFF"/>
-                    </a:solidFill>
-                  </a:tcPr>
+                  <a:tcPr marL="49476" marR="49476" marT="24738" marB="24738" anchor="ctr"/>
                 </a:tc>
                 <a:tc>
                   <a:txBody>
@@ -6516,23 +5939,7 @@
                       </a:r>
                     </a:p>
                   </a:txBody>
-                  <a:tcPr marL="60435" marR="60435" marT="30218" marB="30218" anchor="ctr">
-                    <a:lnL>
-                      <a:noFill/>
-                    </a:lnL>
-                    <a:lnR>
-                      <a:noFill/>
-                    </a:lnR>
-                    <a:lnT>
-                      <a:noFill/>
-                    </a:lnT>
-                    <a:lnB>
-                      <a:noFill/>
-                    </a:lnB>
-                    <a:solidFill>
-                      <a:srgbClr val="FFFFFF"/>
-                    </a:solidFill>
-                  </a:tcPr>
+                  <a:tcPr marL="49476" marR="49476" marT="24738" marB="24738" anchor="ctr"/>
                 </a:tc>
                 <a:tc>
                   <a:txBody>
@@ -6548,23 +5955,7 @@
                       </a:r>
                     </a:p>
                   </a:txBody>
-                  <a:tcPr marL="60435" marR="60435" marT="30218" marB="30218" anchor="ctr">
-                    <a:lnL>
-                      <a:noFill/>
-                    </a:lnL>
-                    <a:lnR>
-                      <a:noFill/>
-                    </a:lnR>
-                    <a:lnT>
-                      <a:noFill/>
-                    </a:lnT>
-                    <a:lnB>
-                      <a:noFill/>
-                    </a:lnB>
-                    <a:solidFill>
-                      <a:srgbClr val="FFFFFF"/>
-                    </a:solidFill>
-                  </a:tcPr>
+                  <a:tcPr marL="49476" marR="49476" marT="24738" marB="24738" anchor="ctr"/>
                 </a:tc>
                 <a:tc>
                   <a:txBody>
@@ -6580,23 +5971,7 @@
                       </a:r>
                     </a:p>
                   </a:txBody>
-                  <a:tcPr marL="60435" marR="60435" marT="30218" marB="30218" anchor="ctr">
-                    <a:lnL>
-                      <a:noFill/>
-                    </a:lnL>
-                    <a:lnR>
-                      <a:noFill/>
-                    </a:lnR>
-                    <a:lnT>
-                      <a:noFill/>
-                    </a:lnT>
-                    <a:lnB>
-                      <a:noFill/>
-                    </a:lnB>
-                    <a:solidFill>
-                      <a:srgbClr val="FFFFFF"/>
-                    </a:solidFill>
-                  </a:tcPr>
+                  <a:tcPr marL="49476" marR="49476" marT="24738" marB="24738" anchor="ctr"/>
                 </a:tc>
                 <a:tc>
                   <a:txBody>
@@ -6612,23 +5987,7 @@
                       </a:r>
                     </a:p>
                   </a:txBody>
-                  <a:tcPr marL="60435" marR="60435" marT="30218" marB="30218" anchor="ctr">
-                    <a:lnL>
-                      <a:noFill/>
-                    </a:lnL>
-                    <a:lnR>
-                      <a:noFill/>
-                    </a:lnR>
-                    <a:lnT>
-                      <a:noFill/>
-                    </a:lnT>
-                    <a:lnB>
-                      <a:noFill/>
-                    </a:lnB>
-                    <a:solidFill>
-                      <a:srgbClr val="FFFFFF"/>
-                    </a:solidFill>
-                  </a:tcPr>
+                  <a:tcPr marL="49476" marR="49476" marT="24738" marB="24738" anchor="ctr"/>
                 </a:tc>
                 <a:tc>
                   <a:txBody>
@@ -6644,23 +6003,7 @@
                       </a:r>
                     </a:p>
                   </a:txBody>
-                  <a:tcPr marL="60435" marR="60435" marT="30218" marB="30218" anchor="ctr">
-                    <a:lnL>
-                      <a:noFill/>
-                    </a:lnL>
-                    <a:lnR>
-                      <a:noFill/>
-                    </a:lnR>
-                    <a:lnT>
-                      <a:noFill/>
-                    </a:lnT>
-                    <a:lnB>
-                      <a:noFill/>
-                    </a:lnB>
-                    <a:solidFill>
-                      <a:srgbClr val="FFFFFF"/>
-                    </a:solidFill>
-                  </a:tcPr>
+                  <a:tcPr marL="49476" marR="49476" marT="24738" marB="24738" anchor="ctr"/>
                 </a:tc>
                 <a:tc>
                   <a:txBody>
@@ -6676,23 +6019,7 @@
                       </a:r>
                     </a:p>
                   </a:txBody>
-                  <a:tcPr marL="60435" marR="60435" marT="30218" marB="30218" anchor="ctr">
-                    <a:lnL>
-                      <a:noFill/>
-                    </a:lnL>
-                    <a:lnR>
-                      <a:noFill/>
-                    </a:lnR>
-                    <a:lnT>
-                      <a:noFill/>
-                    </a:lnT>
-                    <a:lnB>
-                      <a:noFill/>
-                    </a:lnB>
-                    <a:solidFill>
-                      <a:srgbClr val="FFFFFF"/>
-                    </a:solidFill>
-                  </a:tcPr>
+                  <a:tcPr marL="49476" marR="49476" marT="24738" marB="24738" anchor="ctr"/>
                 </a:tc>
                 <a:tc>
                   <a:txBody>
@@ -6708,55 +6035,23 @@
                       </a:r>
                     </a:p>
                   </a:txBody>
-                  <a:tcPr marL="60435" marR="60435" marT="30218" marB="30218" anchor="ctr">
-                    <a:lnL>
-                      <a:noFill/>
-                    </a:lnL>
-                    <a:lnR>
-                      <a:noFill/>
-                    </a:lnR>
-                    <a:lnT>
-                      <a:noFill/>
-                    </a:lnT>
-                    <a:lnB>
-                      <a:noFill/>
-                    </a:lnB>
-                    <a:solidFill>
-                      <a:srgbClr val="FFFFFF"/>
-                    </a:solidFill>
-                  </a:tcPr>
-                </a:tc>
-                <a:tc>
-                  <a:txBody>
-                    <a:bodyPr/>
-                    <a:lstStyle/>
-                    <a:p>
-                      <a:pPr algn="r" fontAlgn="ctr"/>
-                      <a:r>
-                        <a:rPr lang="en-US" sz="1200">
+                  <a:tcPr marL="49476" marR="49476" marT="24738" marB="24738" anchor="ctr"/>
+                </a:tc>
+                <a:tc>
+                  <a:txBody>
+                    <a:bodyPr/>
+                    <a:lstStyle/>
+                    <a:p>
+                      <a:pPr algn="r" fontAlgn="ctr"/>
+                      <a:r>
+                        <a:rPr lang="en-US" sz="1200" dirty="0">
                           <a:effectLst/>
                         </a:rPr>
                         <a:t>non-working</a:t>
                       </a:r>
                     </a:p>
                   </a:txBody>
-                  <a:tcPr marL="60435" marR="60435" marT="30218" marB="30218" anchor="ctr">
-                    <a:lnL>
-                      <a:noFill/>
-                    </a:lnL>
-                    <a:lnR>
-                      <a:noFill/>
-                    </a:lnR>
-                    <a:lnT>
-                      <a:noFill/>
-                    </a:lnT>
-                    <a:lnB>
-                      <a:noFill/>
-                    </a:lnB>
-                    <a:solidFill>
-                      <a:srgbClr val="FFFFFF"/>
-                    </a:solidFill>
-                  </a:tcPr>
+                  <a:tcPr marL="49476" marR="49476" marT="24738" marB="24738" anchor="ctr"/>
                 </a:tc>
                 <a:extLst>
                   <a:ext uri="{0D108BD9-81ED-4DB2-BD59-A6C34878D82A}">
@@ -6764,38 +6059,25 @@
                   </a:ext>
                 </a:extLst>
               </a:tr>
-              <a:tr h="709748">
-                <a:tc>
-                  <a:txBody>
-                    <a:bodyPr/>
-                    <a:lstStyle/>
-                    <a:p>
-                      <a:pPr algn="r" fontAlgn="ctr"/>
-                      <a:r>
-                        <a:rPr lang="en-US" sz="1200" b="1">
+              <a:tr h="495058">
+                <a:tc>
+                  <a:txBody>
+                    <a:bodyPr/>
+                    <a:lstStyle/>
+                    <a:p>
+                      <a:pPr algn="r" fontAlgn="ctr"/>
+                      <a:r>
+                        <a:rPr lang="en-US" sz="1200">
                           <a:effectLst/>
                         </a:rPr>
                         <a:t>4</a:t>
                       </a:r>
-                    </a:p>
-                  </a:txBody>
-                  <a:tcPr marL="60435" marR="60435" marT="30218" marB="30218" anchor="ctr">
-                    <a:lnL>
-                      <a:noFill/>
-                    </a:lnL>
-                    <a:lnR>
-                      <a:noFill/>
-                    </a:lnR>
-                    <a:lnT>
-                      <a:noFill/>
-                    </a:lnT>
-                    <a:lnB>
-                      <a:noFill/>
-                    </a:lnB>
-                    <a:solidFill>
-                      <a:srgbClr val="F5F5F5"/>
-                    </a:solidFill>
-                  </a:tcPr>
+                      <a:endParaRPr lang="en-US" sz="1200" b="1">
+                        <a:effectLst/>
+                      </a:endParaRPr>
+                    </a:p>
+                  </a:txBody>
+                  <a:tcPr marL="49476" marR="49476" marT="24738" marB="24738" anchor="ctr"/>
                 </a:tc>
                 <a:tc>
                   <a:txBody>
@@ -6811,23 +6093,7 @@
                       </a:r>
                     </a:p>
                   </a:txBody>
-                  <a:tcPr marL="60435" marR="60435" marT="30218" marB="30218" anchor="ctr">
-                    <a:lnL>
-                      <a:noFill/>
-                    </a:lnL>
-                    <a:lnR>
-                      <a:noFill/>
-                    </a:lnR>
-                    <a:lnT>
-                      <a:noFill/>
-                    </a:lnT>
-                    <a:lnB>
-                      <a:noFill/>
-                    </a:lnB>
-                    <a:solidFill>
-                      <a:srgbClr val="F5F5F5"/>
-                    </a:solidFill>
-                  </a:tcPr>
+                  <a:tcPr marL="49476" marR="49476" marT="24738" marB="24738" anchor="ctr"/>
                 </a:tc>
                 <a:tc>
                   <a:txBody>
@@ -6843,23 +6109,7 @@
                       </a:r>
                     </a:p>
                   </a:txBody>
-                  <a:tcPr marL="60435" marR="60435" marT="30218" marB="30218" anchor="ctr">
-                    <a:lnL>
-                      <a:noFill/>
-                    </a:lnL>
-                    <a:lnR>
-                      <a:noFill/>
-                    </a:lnR>
-                    <a:lnT>
-                      <a:noFill/>
-                    </a:lnT>
-                    <a:lnB>
-                      <a:noFill/>
-                    </a:lnB>
-                    <a:solidFill>
-                      <a:srgbClr val="F5F5F5"/>
-                    </a:solidFill>
-                  </a:tcPr>
+                  <a:tcPr marL="49476" marR="49476" marT="24738" marB="24738" anchor="ctr"/>
                 </a:tc>
                 <a:tc>
                   <a:txBody>
@@ -6875,23 +6125,7 @@
                       </a:r>
                     </a:p>
                   </a:txBody>
-                  <a:tcPr marL="60435" marR="60435" marT="30218" marB="30218" anchor="ctr">
-                    <a:lnL>
-                      <a:noFill/>
-                    </a:lnL>
-                    <a:lnR>
-                      <a:noFill/>
-                    </a:lnR>
-                    <a:lnT>
-                      <a:noFill/>
-                    </a:lnT>
-                    <a:lnB>
-                      <a:noFill/>
-                    </a:lnB>
-                    <a:solidFill>
-                      <a:srgbClr val="F5F5F5"/>
-                    </a:solidFill>
-                  </a:tcPr>
+                  <a:tcPr marL="49476" marR="49476" marT="24738" marB="24738" anchor="ctr"/>
                 </a:tc>
                 <a:tc>
                   <a:txBody>
@@ -6907,23 +6141,7 @@
                       </a:r>
                     </a:p>
                   </a:txBody>
-                  <a:tcPr marL="60435" marR="60435" marT="30218" marB="30218" anchor="ctr">
-                    <a:lnL>
-                      <a:noFill/>
-                    </a:lnL>
-                    <a:lnR>
-                      <a:noFill/>
-                    </a:lnR>
-                    <a:lnT>
-                      <a:noFill/>
-                    </a:lnT>
-                    <a:lnB>
-                      <a:noFill/>
-                    </a:lnB>
-                    <a:solidFill>
-                      <a:srgbClr val="F5F5F5"/>
-                    </a:solidFill>
-                  </a:tcPr>
+                  <a:tcPr marL="49476" marR="49476" marT="24738" marB="24738" anchor="ctr"/>
                 </a:tc>
                 <a:tc>
                   <a:txBody>
@@ -6939,23 +6157,7 @@
                       </a:r>
                     </a:p>
                   </a:txBody>
-                  <a:tcPr marL="60435" marR="60435" marT="30218" marB="30218" anchor="ctr">
-                    <a:lnL>
-                      <a:noFill/>
-                    </a:lnL>
-                    <a:lnR>
-                      <a:noFill/>
-                    </a:lnR>
-                    <a:lnT>
-                      <a:noFill/>
-                    </a:lnT>
-                    <a:lnB>
-                      <a:noFill/>
-                    </a:lnB>
-                    <a:solidFill>
-                      <a:srgbClr val="F5F5F5"/>
-                    </a:solidFill>
-                  </a:tcPr>
+                  <a:tcPr marL="49476" marR="49476" marT="24738" marB="24738" anchor="ctr"/>
                 </a:tc>
                 <a:tc>
                   <a:txBody>
@@ -6971,23 +6173,7 @@
                       </a:r>
                     </a:p>
                   </a:txBody>
-                  <a:tcPr marL="60435" marR="60435" marT="30218" marB="30218" anchor="ctr">
-                    <a:lnL>
-                      <a:noFill/>
-                    </a:lnL>
-                    <a:lnR>
-                      <a:noFill/>
-                    </a:lnR>
-                    <a:lnT>
-                      <a:noFill/>
-                    </a:lnT>
-                    <a:lnB>
-                      <a:noFill/>
-                    </a:lnB>
-                    <a:solidFill>
-                      <a:srgbClr val="F5F5F5"/>
-                    </a:solidFill>
-                  </a:tcPr>
+                  <a:tcPr marL="49476" marR="49476" marT="24738" marB="24738" anchor="ctr"/>
                 </a:tc>
                 <a:tc>
                   <a:txBody>
@@ -7003,23 +6189,7 @@
                       </a:r>
                     </a:p>
                   </a:txBody>
-                  <a:tcPr marL="60435" marR="60435" marT="30218" marB="30218" anchor="ctr">
-                    <a:lnL>
-                      <a:noFill/>
-                    </a:lnL>
-                    <a:lnR>
-                      <a:noFill/>
-                    </a:lnR>
-                    <a:lnT>
-                      <a:noFill/>
-                    </a:lnT>
-                    <a:lnB>
-                      <a:noFill/>
-                    </a:lnB>
-                    <a:solidFill>
-                      <a:srgbClr val="F5F5F5"/>
-                    </a:solidFill>
-                  </a:tcPr>
+                  <a:tcPr marL="49476" marR="49476" marT="24738" marB="24738" anchor="ctr"/>
                 </a:tc>
                 <a:tc>
                   <a:txBody>
@@ -7035,23 +6205,7 @@
                       </a:r>
                     </a:p>
                   </a:txBody>
-                  <a:tcPr marL="60435" marR="60435" marT="30218" marB="30218" anchor="ctr">
-                    <a:lnL>
-                      <a:noFill/>
-                    </a:lnL>
-                    <a:lnR>
-                      <a:noFill/>
-                    </a:lnR>
-                    <a:lnT>
-                      <a:noFill/>
-                    </a:lnT>
-                    <a:lnB>
-                      <a:noFill/>
-                    </a:lnB>
-                    <a:solidFill>
-                      <a:srgbClr val="F5F5F5"/>
-                    </a:solidFill>
-                  </a:tcPr>
+                  <a:tcPr marL="49476" marR="49476" marT="24738" marB="24738" anchor="ctr"/>
                 </a:tc>
                 <a:tc>
                   <a:txBody>
@@ -7067,23 +6221,7 @@
                       </a:r>
                     </a:p>
                   </a:txBody>
-                  <a:tcPr marL="60435" marR="60435" marT="30218" marB="30218" anchor="ctr">
-                    <a:lnL>
-                      <a:noFill/>
-                    </a:lnL>
-                    <a:lnR>
-                      <a:noFill/>
-                    </a:lnR>
-                    <a:lnT>
-                      <a:noFill/>
-                    </a:lnT>
-                    <a:lnB>
-                      <a:noFill/>
-                    </a:lnB>
-                    <a:solidFill>
-                      <a:srgbClr val="F5F5F5"/>
-                    </a:solidFill>
-                  </a:tcPr>
+                  <a:tcPr marL="49476" marR="49476" marT="24738" marB="24738" anchor="ctr"/>
                 </a:tc>
                 <a:tc>
                   <a:txBody>
@@ -7099,23 +6237,7 @@
                       </a:r>
                     </a:p>
                   </a:txBody>
-                  <a:tcPr marL="60435" marR="60435" marT="30218" marB="30218" anchor="ctr">
-                    <a:lnL>
-                      <a:noFill/>
-                    </a:lnL>
-                    <a:lnR>
-                      <a:noFill/>
-                    </a:lnR>
-                    <a:lnT>
-                      <a:noFill/>
-                    </a:lnT>
-                    <a:lnB>
-                      <a:noFill/>
-                    </a:lnB>
-                    <a:solidFill>
-                      <a:srgbClr val="F5F5F5"/>
-                    </a:solidFill>
-                  </a:tcPr>
+                  <a:tcPr marL="49476" marR="49476" marT="24738" marB="24738" anchor="ctr"/>
                 </a:tc>
                 <a:tc>
                   <a:txBody>
@@ -7131,23 +6253,7 @@
                       </a:r>
                     </a:p>
                   </a:txBody>
-                  <a:tcPr marL="60435" marR="60435" marT="30218" marB="30218" anchor="ctr">
-                    <a:lnL>
-                      <a:noFill/>
-                    </a:lnL>
-                    <a:lnR>
-                      <a:noFill/>
-                    </a:lnR>
-                    <a:lnT>
-                      <a:noFill/>
-                    </a:lnT>
-                    <a:lnB>
-                      <a:noFill/>
-                    </a:lnB>
-                    <a:solidFill>
-                      <a:srgbClr val="F5F5F5"/>
-                    </a:solidFill>
-                  </a:tcPr>
+                  <a:tcPr marL="49476" marR="49476" marT="24738" marB="24738" anchor="ctr"/>
                 </a:tc>
                 <a:extLst>
                   <a:ext uri="{0D108BD9-81ED-4DB2-BD59-A6C34878D82A}">
@@ -7159,65 +6265,6 @@
           </a:graphicData>
         </a:graphic>
       </p:graphicFrame>
-      <p:sp>
-        <p:nvSpPr>
-          <p:cNvPr id="5" name="TextBox 4">
-            <a:extLst>
-              <a:ext uri="{FF2B5EF4-FFF2-40B4-BE49-F238E27FC236}">
-                <a16:creationId xmlns:a16="http://schemas.microsoft.com/office/drawing/2014/main" id="{9393E306-608D-4558-93FE-9C0FB387D280}"/>
-              </a:ext>
-            </a:extLst>
-          </p:cNvPr>
-          <p:cNvSpPr txBox="1"/>
-          <p:nvPr/>
-        </p:nvSpPr>
-        <p:spPr>
-          <a:xfrm>
-            <a:off x="395926" y="5448693"/>
-            <a:ext cx="11161336" cy="923330"/>
-          </a:xfrm>
-          <a:prstGeom prst="rect">
-            <a:avLst/>
-          </a:prstGeom>
-          <a:noFill/>
-        </p:spPr>
-        <p:txBody>
-          <a:bodyPr wrap="square" rtlCol="0">
-            <a:spAutoFit/>
-          </a:bodyPr>
-          <a:lstStyle/>
-          <a:p>
-            <a:pPr marL="285750" indent="-285750">
-              <a:buFont typeface="Arial" panose="020B0604020202020204" pitchFamily="34" charset="0"/>
-              <a:buChar char="•"/>
-            </a:pPr>
-            <a:r>
-              <a:rPr lang="en-US" dirty="0"/>
-              <a:t>SDGE -&gt; Hourly energy consumption data in MWH</a:t>
-            </a:r>
-          </a:p>
-          <a:p>
-            <a:pPr marL="285750" indent="-285750">
-              <a:buFont typeface="Arial" panose="020B0604020202020204" pitchFamily="34" charset="0"/>
-              <a:buChar char="•"/>
-            </a:pPr>
-            <a:r>
-              <a:rPr lang="en-US" dirty="0"/>
-              <a:t>Holiday -&gt; national holidays as per US calendar</a:t>
-            </a:r>
-          </a:p>
-          <a:p>
-            <a:pPr marL="285750" indent="-285750">
-              <a:buFont typeface="Arial" panose="020B0604020202020204" pitchFamily="34" charset="0"/>
-              <a:buChar char="•"/>
-            </a:pPr>
-            <a:r>
-              <a:rPr lang="en-US" dirty="0"/>
-              <a:t>Non-working -&gt; holiday and/or weekend</a:t>
-            </a:r>
-          </a:p>
-        </p:txBody>
-      </p:sp>
     </p:spTree>
     <p:extLst>
       <p:ext uri="{BB962C8B-B14F-4D97-AF65-F5344CB8AC3E}">
@@ -8493,7 +7540,7 @@
                     <a:p>
                       <a:pPr algn="r" fontAlgn="ctr"/>
                       <a:r>
-                        <a:rPr lang="en-US">
+                        <a:rPr lang="en-US" dirty="0">
                           <a:effectLst/>
                         </a:rPr>
                         <a:t>72290023188</a:t>
@@ -15176,10 +14223,9 @@
           <a:lstStyle/>
           <a:p>
             <a:r>
-              <a:rPr lang="en-US" sz="4000"/>
+              <a:rPr lang="en-US" sz="4000" dirty="0"/>
               <a:t>Monthly load profile </a:t>
             </a:r>
-            <a:endParaRPr lang="en-US" sz="4000" dirty="0"/>
           </a:p>
         </p:txBody>
       </p:sp>

--- a/Capstone1_SDGE_Data_EDA.pptx
+++ b/Capstone1_SDGE_Data_EDA.pptx
@@ -236,7 +236,7 @@
           <a:p>
             <a:fld id="{21E79F9E-26E4-4B6D-82DF-6D41BDC836CE}" type="datetimeFigureOut">
               <a:rPr lang="en-US" smtClean="0"/>
-              <a:t>9/10/2019</a:t>
+              <a:t>9/11/2019</a:t>
             </a:fld>
             <a:endParaRPr lang="en-US"/>
           </a:p>
@@ -1324,7 +1324,7 @@
           <a:p>
             <a:fld id="{8588A4BC-561D-4725-8C08-4C9721C138EF}" type="datetimeFigureOut">
               <a:rPr lang="en-US" smtClean="0"/>
-              <a:t>9/10/2019</a:t>
+              <a:t>9/11/2019</a:t>
             </a:fld>
             <a:endParaRPr lang="en-US"/>
           </a:p>
@@ -1522,7 +1522,7 @@
           <a:p>
             <a:fld id="{8588A4BC-561D-4725-8C08-4C9721C138EF}" type="datetimeFigureOut">
               <a:rPr lang="en-US" smtClean="0"/>
-              <a:t>9/10/2019</a:t>
+              <a:t>9/11/2019</a:t>
             </a:fld>
             <a:endParaRPr lang="en-US"/>
           </a:p>
@@ -1730,7 +1730,7 @@
           <a:p>
             <a:fld id="{8588A4BC-561D-4725-8C08-4C9721C138EF}" type="datetimeFigureOut">
               <a:rPr lang="en-US" smtClean="0"/>
-              <a:t>9/10/2019</a:t>
+              <a:t>9/11/2019</a:t>
             </a:fld>
             <a:endParaRPr lang="en-US"/>
           </a:p>
@@ -1928,7 +1928,7 @@
           <a:p>
             <a:fld id="{8588A4BC-561D-4725-8C08-4C9721C138EF}" type="datetimeFigureOut">
               <a:rPr lang="en-US" smtClean="0"/>
-              <a:t>9/10/2019</a:t>
+              <a:t>9/11/2019</a:t>
             </a:fld>
             <a:endParaRPr lang="en-US"/>
           </a:p>
@@ -2203,7 +2203,7 @@
           <a:p>
             <a:fld id="{8588A4BC-561D-4725-8C08-4C9721C138EF}" type="datetimeFigureOut">
               <a:rPr lang="en-US" smtClean="0"/>
-              <a:t>9/10/2019</a:t>
+              <a:t>9/11/2019</a:t>
             </a:fld>
             <a:endParaRPr lang="en-US"/>
           </a:p>
@@ -2468,7 +2468,7 @@
           <a:p>
             <a:fld id="{8588A4BC-561D-4725-8C08-4C9721C138EF}" type="datetimeFigureOut">
               <a:rPr lang="en-US" smtClean="0"/>
-              <a:t>9/10/2019</a:t>
+              <a:t>9/11/2019</a:t>
             </a:fld>
             <a:endParaRPr lang="en-US"/>
           </a:p>
@@ -2880,7 +2880,7 @@
           <a:p>
             <a:fld id="{8588A4BC-561D-4725-8C08-4C9721C138EF}" type="datetimeFigureOut">
               <a:rPr lang="en-US" smtClean="0"/>
-              <a:t>9/10/2019</a:t>
+              <a:t>9/11/2019</a:t>
             </a:fld>
             <a:endParaRPr lang="en-US"/>
           </a:p>
@@ -3021,7 +3021,7 @@
           <a:p>
             <a:fld id="{8588A4BC-561D-4725-8C08-4C9721C138EF}" type="datetimeFigureOut">
               <a:rPr lang="en-US" smtClean="0"/>
-              <a:t>9/10/2019</a:t>
+              <a:t>9/11/2019</a:t>
             </a:fld>
             <a:endParaRPr lang="en-US"/>
           </a:p>
@@ -3134,7 +3134,7 @@
           <a:p>
             <a:fld id="{8588A4BC-561D-4725-8C08-4C9721C138EF}" type="datetimeFigureOut">
               <a:rPr lang="en-US" smtClean="0"/>
-              <a:t>9/10/2019</a:t>
+              <a:t>9/11/2019</a:t>
             </a:fld>
             <a:endParaRPr lang="en-US"/>
           </a:p>
@@ -3445,7 +3445,7 @@
           <a:p>
             <a:fld id="{8588A4BC-561D-4725-8C08-4C9721C138EF}" type="datetimeFigureOut">
               <a:rPr lang="en-US" smtClean="0"/>
-              <a:t>9/10/2019</a:t>
+              <a:t>9/11/2019</a:t>
             </a:fld>
             <a:endParaRPr lang="en-US"/>
           </a:p>
@@ -3733,7 +3733,7 @@
           <a:p>
             <a:fld id="{8588A4BC-561D-4725-8C08-4C9721C138EF}" type="datetimeFigureOut">
               <a:rPr lang="en-US" smtClean="0"/>
-              <a:t>9/10/2019</a:t>
+              <a:t>9/11/2019</a:t>
             </a:fld>
             <a:endParaRPr lang="en-US"/>
           </a:p>
@@ -3974,7 +3974,7 @@
           <a:p>
             <a:fld id="{8588A4BC-561D-4725-8C08-4C9721C138EF}" type="datetimeFigureOut">
               <a:rPr lang="en-US" smtClean="0"/>
-              <a:t>9/10/2019</a:t>
+              <a:t>9/11/2019</a:t>
             </a:fld>
             <a:endParaRPr lang="en-US"/>
           </a:p>
